--- a/說明簡報.pptx
+++ b/說明簡報.pptx
@@ -5,7 +5,7 @@
     <p:sldMasterId id="2147483648" r:id="rId1"/>
   </p:sldMasterIdLst>
   <p:notesMasterIdLst>
-    <p:notesMasterId r:id="rId17"/>
+    <p:notesMasterId r:id="rId20"/>
   </p:notesMasterIdLst>
   <p:sldIdLst>
     <p:sldId id="256" r:id="rId2"/>
@@ -14,15 +14,18 @@
     <p:sldId id="259" r:id="rId5"/>
     <p:sldId id="265" r:id="rId6"/>
     <p:sldId id="268" r:id="rId7"/>
-    <p:sldId id="272" r:id="rId8"/>
-    <p:sldId id="269" r:id="rId9"/>
-    <p:sldId id="270" r:id="rId10"/>
-    <p:sldId id="260" r:id="rId11"/>
-    <p:sldId id="273" r:id="rId12"/>
-    <p:sldId id="261" r:id="rId13"/>
-    <p:sldId id="267" r:id="rId14"/>
-    <p:sldId id="263" r:id="rId15"/>
-    <p:sldId id="271" r:id="rId16"/>
+    <p:sldId id="274" r:id="rId8"/>
+    <p:sldId id="280" r:id="rId9"/>
+    <p:sldId id="272" r:id="rId10"/>
+    <p:sldId id="278" r:id="rId11"/>
+    <p:sldId id="269" r:id="rId12"/>
+    <p:sldId id="270" r:id="rId13"/>
+    <p:sldId id="260" r:id="rId14"/>
+    <p:sldId id="273" r:id="rId15"/>
+    <p:sldId id="261" r:id="rId16"/>
+    <p:sldId id="267" r:id="rId17"/>
+    <p:sldId id="263" r:id="rId18"/>
+    <p:sldId id="271" r:id="rId19"/>
   </p:sldIdLst>
   <p:sldSz cx="12192000" cy="6858000"/>
   <p:notesSz cx="6858000" cy="9144000"/>
@@ -236,7 +239,7 @@
           <a:p>
             <a:fld id="{10975C88-A365-4781-8645-7C76F75F878D}" type="datetimeFigureOut">
               <a:rPr lang="zh-TW" altLang="en-US" smtClean="0"/>
-              <a:t>2020/06/18</a:t>
+              <a:t>2020/06/19</a:t>
             </a:fld>
             <a:endParaRPr lang="zh-TW" altLang="en-US"/>
           </a:p>
@@ -4257,7 +4260,7 @@
           <p:cNvPr id="2" name="標題 1">
             <a:extLst>
               <a:ext uri="{FF2B5EF4-FFF2-40B4-BE49-F238E27FC236}">
-                <a16:creationId xmlns:a16="http://schemas.microsoft.com/office/drawing/2014/main" id="{A982DD23-B5EF-48EC-93BB-C24475194CB0}"/>
+                <a16:creationId xmlns:a16="http://schemas.microsoft.com/office/drawing/2014/main" id="{7090DE19-02A5-4E88-9D09-201BCC915478}"/>
               </a:ext>
             </a:extLst>
           </p:cNvPr>
@@ -4268,14 +4271,20 @@
             <p:ph type="title"/>
           </p:nvPr>
         </p:nvSpPr>
-        <p:spPr/>
-        <p:txBody>
-          <a:bodyPr/>
-          <a:lstStyle/>
-          <a:p>
+        <p:spPr>
+          <a:xfrm>
+            <a:off x="839788" y="365125"/>
+            <a:ext cx="10515600" cy="1325563"/>
+          </a:xfrm>
+        </p:spPr>
+        <p:txBody>
+          <a:bodyPr/>
+          <a:lstStyle/>
+          <a:p>
+            <a:pPr algn="ctr"/>
             <a:r>
               <a:rPr lang="zh-TW" altLang="en-US" dirty="0"/>
-              <a:t>軟體功能</a:t>
+              <a:t>專題製作</a:t>
             </a:r>
           </a:p>
         </p:txBody>
@@ -4285,7 +4294,7 @@
           <p:cNvPr id="3" name="文字版面配置區 2">
             <a:extLst>
               <a:ext uri="{FF2B5EF4-FFF2-40B4-BE49-F238E27FC236}">
-                <a16:creationId xmlns:a16="http://schemas.microsoft.com/office/drawing/2014/main" id="{393CD0CF-A40A-4C10-9F73-7ED38FD24941}"/>
+                <a16:creationId xmlns:a16="http://schemas.microsoft.com/office/drawing/2014/main" id="{DCE649FA-673E-4026-BC49-CA593085BEF8}"/>
               </a:ext>
             </a:extLst>
           </p:cNvPr>
@@ -4298,19 +4307,210 @@
         </p:nvSpPr>
         <p:spPr/>
         <p:txBody>
-          <a:bodyPr/>
-          <a:lstStyle/>
+          <a:bodyPr anchor="ctr">
+            <a:normAutofit/>
+          </a:bodyPr>
+          <a:lstStyle/>
+          <a:p>
+            <a:pPr algn="ctr"/>
+            <a:r>
+              <a:rPr lang="en-US" altLang="zh-TW" sz="3200" b="0" dirty="0"/>
+              <a:t>Origin</a:t>
+            </a:r>
+            <a:endParaRPr lang="zh-TW" altLang="en-US" sz="3200" b="0" dirty="0"/>
+          </a:p>
+        </p:txBody>
+      </p:sp>
+      <p:sp>
+        <p:nvSpPr>
+          <p:cNvPr id="4" name="內容版面配置區 3">
+            <a:extLst>
+              <a:ext uri="{FF2B5EF4-FFF2-40B4-BE49-F238E27FC236}">
+                <a16:creationId xmlns:a16="http://schemas.microsoft.com/office/drawing/2014/main" id="{6E9FBE81-303E-4BA4-B757-BC5625A736D9}"/>
+              </a:ext>
+            </a:extLst>
+          </p:cNvPr>
+          <p:cNvSpPr>
+            <a:spLocks noGrp="1"/>
+          </p:cNvSpPr>
+          <p:nvPr>
+            <p:ph sz="half" idx="2"/>
+          </p:nvPr>
+        </p:nvSpPr>
+        <p:spPr/>
+        <p:txBody>
+          <a:bodyPr>
+            <a:normAutofit/>
+          </a:bodyPr>
+          <a:lstStyle/>
+          <a:p>
+            <a:r>
+              <a:rPr lang="en-US" altLang="zh-TW" dirty="0"/>
+              <a:t>SVG</a:t>
+            </a:r>
+          </a:p>
+          <a:p>
+            <a:pPr lvl="1"/>
+            <a:r>
+              <a:rPr lang="en-US" altLang="zh-TW" dirty="0"/>
+              <a:t>5,636 KB</a:t>
+            </a:r>
+          </a:p>
+          <a:p>
+            <a:pPr lvl="1"/>
+            <a:endParaRPr lang="en-US" altLang="zh-TW" sz="1100" dirty="0"/>
+          </a:p>
+          <a:p>
+            <a:r>
+              <a:rPr lang="en-US" altLang="zh-TW" dirty="0" err="1"/>
+              <a:t>GeoJson</a:t>
+            </a:r>
+            <a:endParaRPr lang="en-US" altLang="zh-TW" dirty="0"/>
+          </a:p>
+          <a:p>
+            <a:pPr lvl="1"/>
+            <a:r>
+              <a:rPr lang="en-US" altLang="zh-TW" dirty="0"/>
+              <a:t>12,486 KB</a:t>
+            </a:r>
+          </a:p>
+          <a:p>
+            <a:pPr lvl="1"/>
+            <a:endParaRPr lang="en-US" altLang="zh-TW" sz="1100" dirty="0"/>
+          </a:p>
+          <a:p>
+            <a:r>
+              <a:rPr lang="en-US" altLang="zh-TW" dirty="0" err="1"/>
+              <a:t>TopoJson</a:t>
+            </a:r>
+            <a:endParaRPr lang="en-US" altLang="zh-TW" dirty="0"/>
+          </a:p>
+          <a:p>
+            <a:pPr lvl="1"/>
+            <a:r>
+              <a:rPr lang="en-US" altLang="zh-TW" dirty="0"/>
+              <a:t>1,959 KB</a:t>
+            </a:r>
+          </a:p>
+        </p:txBody>
+      </p:sp>
+      <p:sp>
+        <p:nvSpPr>
+          <p:cNvPr id="5" name="文字版面配置區 4">
+            <a:extLst>
+              <a:ext uri="{FF2B5EF4-FFF2-40B4-BE49-F238E27FC236}">
+                <a16:creationId xmlns:a16="http://schemas.microsoft.com/office/drawing/2014/main" id="{99DBD344-656E-42E9-9FA2-A31BBBD33283}"/>
+              </a:ext>
+            </a:extLst>
+          </p:cNvPr>
+          <p:cNvSpPr>
+            <a:spLocks noGrp="1"/>
+          </p:cNvSpPr>
+          <p:nvPr>
+            <p:ph type="body" sz="quarter" idx="3"/>
+          </p:nvPr>
+        </p:nvSpPr>
+        <p:spPr/>
+        <p:txBody>
+          <a:bodyPr anchor="ctr">
+            <a:normAutofit/>
+          </a:bodyPr>
+          <a:lstStyle/>
+          <a:p>
+            <a:pPr algn="ctr"/>
+            <a:r>
+              <a:rPr lang="en-US" altLang="zh-TW" sz="3200" b="0" dirty="0"/>
+              <a:t>Simplified ≈ 0.4 %</a:t>
+            </a:r>
+            <a:endParaRPr lang="zh-TW" altLang="en-US" sz="3200" b="0" dirty="0"/>
+          </a:p>
+        </p:txBody>
+      </p:sp>
+      <p:sp>
+        <p:nvSpPr>
+          <p:cNvPr id="6" name="內容版面配置區 5">
+            <a:extLst>
+              <a:ext uri="{FF2B5EF4-FFF2-40B4-BE49-F238E27FC236}">
+                <a16:creationId xmlns:a16="http://schemas.microsoft.com/office/drawing/2014/main" id="{86BCF1E4-B412-45FD-B912-9916F3B901F7}"/>
+              </a:ext>
+            </a:extLst>
+          </p:cNvPr>
+          <p:cNvSpPr>
+            <a:spLocks noGrp="1"/>
+          </p:cNvSpPr>
+          <p:nvPr>
+            <p:ph sz="quarter" idx="4"/>
+          </p:nvPr>
+        </p:nvSpPr>
+        <p:spPr/>
+        <p:txBody>
+          <a:bodyPr>
+            <a:normAutofit/>
+          </a:bodyPr>
+          <a:lstStyle/>
+          <a:p>
+            <a:r>
+              <a:rPr lang="en-US" altLang="zh-TW" dirty="0"/>
+              <a:t>SVG</a:t>
+            </a:r>
+          </a:p>
+          <a:p>
+            <a:pPr lvl="1"/>
+            <a:r>
+              <a:rPr lang="en-US" altLang="zh-TW" dirty="0"/>
+              <a:t>29 KB</a:t>
+            </a:r>
+          </a:p>
+          <a:p>
+            <a:pPr lvl="1"/>
+            <a:endParaRPr lang="en-US" altLang="zh-TW" sz="1100" dirty="0"/>
+          </a:p>
+          <a:p>
+            <a:r>
+              <a:rPr lang="en-US" altLang="zh-TW" dirty="0" err="1"/>
+              <a:t>GeoJson</a:t>
+            </a:r>
+            <a:endParaRPr lang="en-US" altLang="zh-TW" dirty="0"/>
+          </a:p>
+          <a:p>
+            <a:pPr lvl="1"/>
+            <a:r>
+              <a:rPr lang="en-US" altLang="zh-TW" dirty="0"/>
+              <a:t>67 KB</a:t>
+            </a:r>
+          </a:p>
+          <a:p>
+            <a:pPr lvl="1"/>
+            <a:endParaRPr lang="en-US" altLang="zh-TW" sz="1100" dirty="0"/>
+          </a:p>
+          <a:p>
+            <a:r>
+              <a:rPr lang="en-US" altLang="zh-TW" dirty="0" err="1"/>
+              <a:t>TopoJson</a:t>
+            </a:r>
+            <a:endParaRPr lang="en-US" altLang="zh-TW" dirty="0"/>
+          </a:p>
+          <a:p>
+            <a:pPr lvl="1"/>
+            <a:r>
+              <a:rPr lang="en-US" altLang="zh-TW" dirty="0"/>
+              <a:t>14 KB</a:t>
+            </a:r>
+          </a:p>
           <a:p>
             <a:endParaRPr lang="zh-TW" altLang="en-US" dirty="0"/>
           </a:p>
-        </p:txBody>
-      </p:sp>
-      <p:sp>
-        <p:nvSpPr>
-          <p:cNvPr id="4" name="日期版面配置區 3">
-            <a:extLst>
-              <a:ext uri="{FF2B5EF4-FFF2-40B4-BE49-F238E27FC236}">
-                <a16:creationId xmlns:a16="http://schemas.microsoft.com/office/drawing/2014/main" id="{F4AE85A0-4D50-45CD-B7EB-2532A28BA675}"/>
+          <a:p>
+            <a:endParaRPr lang="zh-TW" altLang="en-US" dirty="0"/>
+          </a:p>
+        </p:txBody>
+      </p:sp>
+      <p:sp>
+        <p:nvSpPr>
+          <p:cNvPr id="7" name="日期版面配置區 6">
+            <a:extLst>
+              <a:ext uri="{FF2B5EF4-FFF2-40B4-BE49-F238E27FC236}">
+                <a16:creationId xmlns:a16="http://schemas.microsoft.com/office/drawing/2014/main" id="{67468CD7-A9D0-45DE-8FB9-C333D160C24B}"/>
               </a:ext>
             </a:extLst>
           </p:cNvPr>
@@ -4327,19 +4527,19 @@
           <a:lstStyle/>
           <a:p>
             <a:r>
-              <a:rPr lang="en-US" altLang="zh-TW" dirty="0"/>
+              <a:rPr lang="en-US" altLang="zh-TW"/>
               <a:t>2020 / 06 / 19</a:t>
             </a:r>
-            <a:endParaRPr lang="zh-TW" altLang="en-US" dirty="0"/>
-          </a:p>
-        </p:txBody>
-      </p:sp>
-      <p:sp>
-        <p:nvSpPr>
-          <p:cNvPr id="5" name="頁尾版面配置區 4">
-            <a:extLst>
-              <a:ext uri="{FF2B5EF4-FFF2-40B4-BE49-F238E27FC236}">
-                <a16:creationId xmlns:a16="http://schemas.microsoft.com/office/drawing/2014/main" id="{02874CE2-93C0-46AF-82FF-F407947E0848}"/>
+            <a:endParaRPr lang="zh-TW" altLang="en-US"/>
+          </a:p>
+        </p:txBody>
+      </p:sp>
+      <p:sp>
+        <p:nvSpPr>
+          <p:cNvPr id="8" name="頁尾版面配置區 7">
+            <a:extLst>
+              <a:ext uri="{FF2B5EF4-FFF2-40B4-BE49-F238E27FC236}">
+                <a16:creationId xmlns:a16="http://schemas.microsoft.com/office/drawing/2014/main" id="{F47F50ED-DF75-476B-A2BF-1880E5056B4F}"/>
               </a:ext>
             </a:extLst>
           </p:cNvPr>
@@ -4368,10 +4568,10 @@
       </p:sp>
       <p:sp>
         <p:nvSpPr>
-          <p:cNvPr id="6" name="投影片編號版面配置區 5">
-            <a:extLst>
-              <a:ext uri="{FF2B5EF4-FFF2-40B4-BE49-F238E27FC236}">
-                <a16:creationId xmlns:a16="http://schemas.microsoft.com/office/drawing/2014/main" id="{86C0E1A4-229F-4FC1-8F79-3ECE949E05F3}"/>
+          <p:cNvPr id="9" name="投影片編號版面配置區 8">
+            <a:extLst>
+              <a:ext uri="{FF2B5EF4-FFF2-40B4-BE49-F238E27FC236}">
+                <a16:creationId xmlns:a16="http://schemas.microsoft.com/office/drawing/2014/main" id="{0A9182A6-69EA-4DE2-9A83-0BDB3861735C}"/>
               </a:ext>
             </a:extLst>
           </p:cNvPr>
@@ -4398,7 +4598,7 @@
     </p:spTree>
     <p:extLst>
       <p:ext uri="{BB962C8B-B14F-4D97-AF65-F5344CB8AC3E}">
-        <p14:creationId xmlns:p14="http://schemas.microsoft.com/office/powerpoint/2010/main" val="1618232840"/>
+        <p14:creationId xmlns:p14="http://schemas.microsoft.com/office/powerpoint/2010/main" val="1845370533"/>
       </p:ext>
     </p:extLst>
   </p:cSld>
@@ -4430,7 +4630,7 @@
           <p:cNvPr id="2" name="標題 1">
             <a:extLst>
               <a:ext uri="{FF2B5EF4-FFF2-40B4-BE49-F238E27FC236}">
-                <a16:creationId xmlns:a16="http://schemas.microsoft.com/office/drawing/2014/main" id="{ECC9C9B3-4091-43D9-A6E5-1A51954405E0}"/>
+                <a16:creationId xmlns:a16="http://schemas.microsoft.com/office/drawing/2014/main" id="{FDF87888-54D4-4608-BF86-8C7AC8691F9E}"/>
               </a:ext>
             </a:extLst>
           </p:cNvPr>
@@ -4449,7 +4649,7 @@
             <a:pPr algn="ctr"/>
             <a:r>
               <a:rPr lang="zh-TW" altLang="en-US" dirty="0"/>
-              <a:t>軟體功能</a:t>
+              <a:t>專題製作</a:t>
             </a:r>
           </a:p>
         </p:txBody>
@@ -4459,15 +4659,15 @@
           <p:cNvPr id="3" name="內容版面配置區 2">
             <a:extLst>
               <a:ext uri="{FF2B5EF4-FFF2-40B4-BE49-F238E27FC236}">
-                <a16:creationId xmlns:a16="http://schemas.microsoft.com/office/drawing/2014/main" id="{913A4AE1-5B0C-4D05-B502-CE3F4A41EE2F}"/>
-              </a:ext>
-            </a:extLst>
-          </p:cNvPr>
-          <p:cNvSpPr>
-            <a:spLocks noGrp="1"/>
-          </p:cNvSpPr>
-          <p:nvPr>
-            <p:ph sz="half" idx="1"/>
+                <a16:creationId xmlns:a16="http://schemas.microsoft.com/office/drawing/2014/main" id="{053975AA-BA31-49DB-AA2F-3FCB68132EF0}"/>
+              </a:ext>
+            </a:extLst>
+          </p:cNvPr>
+          <p:cNvSpPr>
+            <a:spLocks noGrp="1"/>
+          </p:cNvSpPr>
+          <p:nvPr>
+            <p:ph idx="1"/>
           </p:nvPr>
         </p:nvSpPr>
         <p:spPr/>
@@ -4479,134 +4679,47 @@
           </a:p>
           <a:p>
             <a:r>
+              <a:rPr lang="en-US" altLang="zh-TW" dirty="0"/>
+              <a:t>CWB </a:t>
+            </a:r>
+            <a:r>
+              <a:rPr lang="en-US" altLang="zh-TW" dirty="0" err="1"/>
+              <a:t>Opendata</a:t>
+            </a:r>
+            <a:r>
+              <a:rPr lang="en-US" altLang="zh-TW" dirty="0"/>
+              <a:t> RESTful API</a:t>
+            </a:r>
+          </a:p>
+          <a:p>
+            <a:endParaRPr lang="en-US" altLang="zh-TW" dirty="0"/>
+          </a:p>
+          <a:p>
+            <a:endParaRPr lang="en-US" altLang="zh-TW" dirty="0"/>
+          </a:p>
+          <a:p>
+            <a:r>
+              <a:rPr lang="en-US" altLang="zh-TW" dirty="0"/>
+              <a:t>HTTPS</a:t>
+            </a:r>
+            <a:r>
               <a:rPr lang="zh-TW" altLang="en-US" dirty="0"/>
-              <a:t>天氣實時觀測資料</a:t>
-            </a:r>
-            <a:endParaRPr lang="en-US" altLang="zh-TW" dirty="0"/>
-          </a:p>
-          <a:p>
-            <a:endParaRPr lang="en-US" altLang="zh-TW" dirty="0"/>
-          </a:p>
-          <a:p>
-            <a:r>
-              <a:rPr lang="zh-TW" altLang="en-US" dirty="0"/>
-              <a:t>地圖觀測資料呈現</a:t>
-            </a:r>
-            <a:endParaRPr lang="en-US" altLang="zh-TW" dirty="0"/>
-          </a:p>
-          <a:p>
-            <a:endParaRPr lang="en-US" altLang="zh-TW" dirty="0"/>
-          </a:p>
-          <a:p>
-            <a:r>
-              <a:rPr lang="zh-TW" altLang="en-US" dirty="0"/>
-              <a:t>站點觀測資料呈現</a:t>
-            </a:r>
-          </a:p>
-          <a:p>
+              <a:t> </a:t>
+            </a:r>
+            <a:r>
+              <a:rPr lang="en-US" altLang="zh-TW" dirty="0"/>
+              <a:t>Request</a:t>
+            </a:r>
             <a:endParaRPr lang="zh-TW" altLang="en-US" dirty="0"/>
           </a:p>
         </p:txBody>
       </p:sp>
       <p:sp>
         <p:nvSpPr>
-          <p:cNvPr id="4" name="內容版面配置區 3">
-            <a:extLst>
-              <a:ext uri="{FF2B5EF4-FFF2-40B4-BE49-F238E27FC236}">
-                <a16:creationId xmlns:a16="http://schemas.microsoft.com/office/drawing/2014/main" id="{1D2E2B02-604F-45B3-88CB-A19C043AB59C}"/>
-              </a:ext>
-            </a:extLst>
-          </p:cNvPr>
-          <p:cNvSpPr>
-            <a:spLocks noGrp="1"/>
-          </p:cNvSpPr>
-          <p:nvPr>
-            <p:ph sz="half" idx="2"/>
-          </p:nvPr>
-        </p:nvSpPr>
-        <p:spPr/>
-        <p:txBody>
-          <a:bodyPr/>
-          <a:lstStyle/>
-          <a:p>
-            <a:endParaRPr lang="en-US" altLang="zh-TW" dirty="0"/>
-          </a:p>
-          <a:p>
-            <a:r>
-              <a:rPr lang="zh-TW" altLang="en-US" dirty="0">
-                <a:solidFill>
-                  <a:schemeClr val="bg2">
-                    <a:lumMod val="75000"/>
-                  </a:schemeClr>
-                </a:solidFill>
-              </a:rPr>
-              <a:t>各地天氣預測資料</a:t>
-            </a:r>
-            <a:endParaRPr lang="en-US" altLang="zh-TW" dirty="0">
-              <a:solidFill>
-                <a:schemeClr val="bg2">
-                  <a:lumMod val="75000"/>
-                </a:schemeClr>
-              </a:solidFill>
-            </a:endParaRPr>
-          </a:p>
-          <a:p>
-            <a:endParaRPr lang="en-US" altLang="zh-TW" dirty="0">
-              <a:solidFill>
-                <a:schemeClr val="bg2">
-                  <a:lumMod val="75000"/>
-                </a:schemeClr>
-              </a:solidFill>
-            </a:endParaRPr>
-          </a:p>
-          <a:p>
-            <a:r>
-              <a:rPr lang="zh-TW" altLang="en-US" dirty="0">
-                <a:solidFill>
-                  <a:schemeClr val="bg2">
-                    <a:lumMod val="75000"/>
-                  </a:schemeClr>
-                </a:solidFill>
-              </a:rPr>
-              <a:t>雷達回波地圖呈現</a:t>
-            </a:r>
-            <a:endParaRPr lang="en-US" altLang="zh-TW" dirty="0">
-              <a:solidFill>
-                <a:schemeClr val="bg2">
-                  <a:lumMod val="75000"/>
-                </a:schemeClr>
-              </a:solidFill>
-            </a:endParaRPr>
-          </a:p>
-          <a:p>
-            <a:endParaRPr lang="en-US" altLang="zh-TW" dirty="0">
-              <a:solidFill>
-                <a:schemeClr val="bg2">
-                  <a:lumMod val="75000"/>
-                </a:schemeClr>
-              </a:solidFill>
-            </a:endParaRPr>
-          </a:p>
-          <a:p>
-            <a:r>
-              <a:rPr lang="zh-TW" altLang="en-US" dirty="0">
-                <a:solidFill>
-                  <a:schemeClr val="bg2">
-                    <a:lumMod val="75000"/>
-                  </a:schemeClr>
-                </a:solidFill>
-              </a:rPr>
-              <a:t>使用者設定檔功能</a:t>
-            </a:r>
-          </a:p>
-        </p:txBody>
-      </p:sp>
-      <p:sp>
-        <p:nvSpPr>
-          <p:cNvPr id="5" name="日期版面配置區 4">
-            <a:extLst>
-              <a:ext uri="{FF2B5EF4-FFF2-40B4-BE49-F238E27FC236}">
-                <a16:creationId xmlns:a16="http://schemas.microsoft.com/office/drawing/2014/main" id="{66FCA2E9-40DE-48F0-9ACB-D186CB0B1A89}"/>
+          <p:cNvPr id="4" name="日期版面配置區 3">
+            <a:extLst>
+              <a:ext uri="{FF2B5EF4-FFF2-40B4-BE49-F238E27FC236}">
+                <a16:creationId xmlns:a16="http://schemas.microsoft.com/office/drawing/2014/main" id="{5432276A-7DB9-4E24-AEDC-3AF8ABA73772}"/>
               </a:ext>
             </a:extLst>
           </p:cNvPr>
@@ -4632,10 +4745,10 @@
       </p:sp>
       <p:sp>
         <p:nvSpPr>
-          <p:cNvPr id="6" name="頁尾版面配置區 5">
-            <a:extLst>
-              <a:ext uri="{FF2B5EF4-FFF2-40B4-BE49-F238E27FC236}">
-                <a16:creationId xmlns:a16="http://schemas.microsoft.com/office/drawing/2014/main" id="{F0FAEACE-3CD5-4582-8949-AE461FC9D4AC}"/>
+          <p:cNvPr id="5" name="頁尾版面配置區 4">
+            <a:extLst>
+              <a:ext uri="{FF2B5EF4-FFF2-40B4-BE49-F238E27FC236}">
+                <a16:creationId xmlns:a16="http://schemas.microsoft.com/office/drawing/2014/main" id="{B025ED94-04CB-425A-BA6C-59F3FA812FAC}"/>
               </a:ext>
             </a:extLst>
           </p:cNvPr>
@@ -4664,10 +4777,10 @@
       </p:sp>
       <p:sp>
         <p:nvSpPr>
-          <p:cNvPr id="7" name="投影片編號版面配置區 6">
-            <a:extLst>
-              <a:ext uri="{FF2B5EF4-FFF2-40B4-BE49-F238E27FC236}">
-                <a16:creationId xmlns:a16="http://schemas.microsoft.com/office/drawing/2014/main" id="{F4EF402E-3BA7-44A7-B78D-DA02DF4C6003}"/>
+          <p:cNvPr id="6" name="投影片編號版面配置區 5">
+            <a:extLst>
+              <a:ext uri="{FF2B5EF4-FFF2-40B4-BE49-F238E27FC236}">
+                <a16:creationId xmlns:a16="http://schemas.microsoft.com/office/drawing/2014/main" id="{A34317A0-BCAC-45D9-8AE8-E91B39D09910}"/>
               </a:ext>
             </a:extLst>
           </p:cNvPr>
@@ -4694,7 +4807,7 @@
     </p:spTree>
     <p:extLst>
       <p:ext uri="{BB962C8B-B14F-4D97-AF65-F5344CB8AC3E}">
-        <p14:creationId xmlns:p14="http://schemas.microsoft.com/office/powerpoint/2010/main" val="1508282055"/>
+        <p14:creationId xmlns:p14="http://schemas.microsoft.com/office/powerpoint/2010/main" val="893423830"/>
       </p:ext>
     </p:extLst>
   </p:cSld>
@@ -4726,7 +4839,7 @@
           <p:cNvPr id="2" name="標題 1">
             <a:extLst>
               <a:ext uri="{FF2B5EF4-FFF2-40B4-BE49-F238E27FC236}">
-                <a16:creationId xmlns:a16="http://schemas.microsoft.com/office/drawing/2014/main" id="{8D35445C-2926-4837-962C-21811924B5EE}"/>
+                <a16:creationId xmlns:a16="http://schemas.microsoft.com/office/drawing/2014/main" id="{1061933C-AF5C-4132-AD38-25A9F67881AC}"/>
               </a:ext>
             </a:extLst>
           </p:cNvPr>
@@ -4742,35 +4855,78 @@
           <a:bodyPr/>
           <a:lstStyle/>
           <a:p>
+            <a:pPr algn="ctr"/>
             <a:r>
               <a:rPr lang="zh-TW" altLang="en-US" dirty="0"/>
-              <a:t>未來展望</a:t>
-            </a:r>
-          </a:p>
-        </p:txBody>
-      </p:sp>
-      <p:sp>
-        <p:nvSpPr>
-          <p:cNvPr id="3" name="文字版面配置區 2">
-            <a:extLst>
-              <a:ext uri="{FF2B5EF4-FFF2-40B4-BE49-F238E27FC236}">
-                <a16:creationId xmlns:a16="http://schemas.microsoft.com/office/drawing/2014/main" id="{A4F590D2-2189-4B45-B6E1-D0AE178AEAAC}"/>
-              </a:ext>
-            </a:extLst>
-          </p:cNvPr>
-          <p:cNvSpPr>
-            <a:spLocks noGrp="1"/>
-          </p:cNvSpPr>
-          <p:nvPr>
-            <p:ph type="body" idx="1"/>
-          </p:nvPr>
-        </p:nvSpPr>
-        <p:spPr/>
-        <p:txBody>
-          <a:bodyPr/>
-          <a:lstStyle/>
-          <a:p>
-            <a:endParaRPr lang="zh-TW" altLang="en-US"/>
+              <a:t>專題製作</a:t>
+            </a:r>
+          </a:p>
+        </p:txBody>
+      </p:sp>
+      <p:sp>
+        <p:nvSpPr>
+          <p:cNvPr id="3" name="內容版面配置區 2">
+            <a:extLst>
+              <a:ext uri="{FF2B5EF4-FFF2-40B4-BE49-F238E27FC236}">
+                <a16:creationId xmlns:a16="http://schemas.microsoft.com/office/drawing/2014/main" id="{AEB51C1B-05EC-4B24-AD4F-420DED8660CE}"/>
+              </a:ext>
+            </a:extLst>
+          </p:cNvPr>
+          <p:cNvSpPr>
+            <a:spLocks noGrp="1"/>
+          </p:cNvSpPr>
+          <p:nvPr>
+            <p:ph idx="1"/>
+          </p:nvPr>
+        </p:nvSpPr>
+        <p:spPr/>
+        <p:txBody>
+          <a:bodyPr>
+            <a:normAutofit/>
+          </a:bodyPr>
+          <a:lstStyle/>
+          <a:p>
+            <a:r>
+              <a:rPr lang="en-US" altLang="zh-TW" dirty="0"/>
+              <a:t>Dark Theme</a:t>
+            </a:r>
+          </a:p>
+          <a:p>
+            <a:endParaRPr lang="en-US" altLang="zh-TW" sz="1800" dirty="0"/>
+          </a:p>
+          <a:p>
+            <a:r>
+              <a:rPr lang="en-US" altLang="zh-TW" dirty="0"/>
+              <a:t>Material Design Icons</a:t>
+            </a:r>
+          </a:p>
+          <a:p>
+            <a:endParaRPr lang="en-US" altLang="zh-TW" sz="1800" dirty="0"/>
+          </a:p>
+          <a:p>
+            <a:r>
+              <a:rPr lang="en-US" altLang="zh-TW" dirty="0"/>
+              <a:t>CWB Data Colorizing Style</a:t>
+            </a:r>
+          </a:p>
+          <a:p>
+            <a:endParaRPr lang="en-US" altLang="zh-TW" sz="1600" dirty="0"/>
+          </a:p>
+          <a:p>
+            <a:r>
+              <a:rPr lang="en-US" altLang="zh-TW" dirty="0"/>
+              <a:t>JMA Data Colorizing Style</a:t>
+            </a:r>
+          </a:p>
+          <a:p>
+            <a:endParaRPr lang="en-US" altLang="zh-TW" sz="1800" dirty="0"/>
+          </a:p>
+          <a:p>
+            <a:r>
+              <a:rPr lang="en-US" altLang="zh-TW" dirty="0"/>
+              <a:t>WNI Data Expressing Style</a:t>
+            </a:r>
+            <a:endParaRPr lang="zh-TW" altLang="en-US" dirty="0"/>
           </a:p>
         </p:txBody>
       </p:sp>
@@ -4779,7 +4935,7 @@
           <p:cNvPr id="4" name="日期版面配置區 3">
             <a:extLst>
               <a:ext uri="{FF2B5EF4-FFF2-40B4-BE49-F238E27FC236}">
-                <a16:creationId xmlns:a16="http://schemas.microsoft.com/office/drawing/2014/main" id="{06B41A6A-2667-4606-9D60-D4C8EBDA65CB}"/>
+                <a16:creationId xmlns:a16="http://schemas.microsoft.com/office/drawing/2014/main" id="{3DE6B655-9B95-431F-BC24-027462E02640}"/>
               </a:ext>
             </a:extLst>
           </p:cNvPr>
@@ -4808,7 +4964,7 @@
           <p:cNvPr id="5" name="頁尾版面配置區 4">
             <a:extLst>
               <a:ext uri="{FF2B5EF4-FFF2-40B4-BE49-F238E27FC236}">
-                <a16:creationId xmlns:a16="http://schemas.microsoft.com/office/drawing/2014/main" id="{0C138FB2-9BFA-48E5-A5C0-21B95D3FC7E3}"/>
+                <a16:creationId xmlns:a16="http://schemas.microsoft.com/office/drawing/2014/main" id="{25CFDB03-17E8-4210-B2C6-F927BB11D336}"/>
               </a:ext>
             </a:extLst>
           </p:cNvPr>
@@ -4840,7 +4996,7 @@
           <p:cNvPr id="6" name="投影片編號版面配置區 5">
             <a:extLst>
               <a:ext uri="{FF2B5EF4-FFF2-40B4-BE49-F238E27FC236}">
-                <a16:creationId xmlns:a16="http://schemas.microsoft.com/office/drawing/2014/main" id="{9601DCE9-6133-4E3F-B004-99BD074E0142}"/>
+                <a16:creationId xmlns:a16="http://schemas.microsoft.com/office/drawing/2014/main" id="{9CEFE2FA-9354-4963-892B-826981FD77D4}"/>
               </a:ext>
             </a:extLst>
           </p:cNvPr>
@@ -4867,7 +5023,7 @@
     </p:spTree>
     <p:extLst>
       <p:ext uri="{BB962C8B-B14F-4D97-AF65-F5344CB8AC3E}">
-        <p14:creationId xmlns:p14="http://schemas.microsoft.com/office/powerpoint/2010/main" val="3306701362"/>
+        <p14:creationId xmlns:p14="http://schemas.microsoft.com/office/powerpoint/2010/main" val="3599235308"/>
       </p:ext>
     </p:extLst>
   </p:cSld>
@@ -4899,7 +5055,7 @@
           <p:cNvPr id="2" name="標題 1">
             <a:extLst>
               <a:ext uri="{FF2B5EF4-FFF2-40B4-BE49-F238E27FC236}">
-                <a16:creationId xmlns:a16="http://schemas.microsoft.com/office/drawing/2014/main" id="{981A2F2D-B2AC-4DF2-B715-6B3B17D00301}"/>
+                <a16:creationId xmlns:a16="http://schemas.microsoft.com/office/drawing/2014/main" id="{A982DD23-B5EF-48EC-93BB-C24475194CB0}"/>
               </a:ext>
             </a:extLst>
           </p:cNvPr>
@@ -4915,70 +5071,35 @@
           <a:bodyPr/>
           <a:lstStyle/>
           <a:p>
-            <a:pPr algn="ctr"/>
             <a:r>
               <a:rPr lang="zh-TW" altLang="en-US" dirty="0"/>
-              <a:t>未來展望</a:t>
-            </a:r>
-          </a:p>
-        </p:txBody>
-      </p:sp>
-      <p:sp>
-        <p:nvSpPr>
-          <p:cNvPr id="3" name="內容版面配置區 2">
-            <a:extLst>
-              <a:ext uri="{FF2B5EF4-FFF2-40B4-BE49-F238E27FC236}">
-                <a16:creationId xmlns:a16="http://schemas.microsoft.com/office/drawing/2014/main" id="{FF6374CA-07EB-4D40-A536-DE4CFF43E5B4}"/>
-              </a:ext>
-            </a:extLst>
-          </p:cNvPr>
-          <p:cNvSpPr>
-            <a:spLocks noGrp="1"/>
-          </p:cNvSpPr>
-          <p:nvPr>
-            <p:ph idx="1"/>
-          </p:nvPr>
-        </p:nvSpPr>
-        <p:spPr/>
-        <p:txBody>
-          <a:bodyPr/>
-          <a:lstStyle/>
-          <a:p>
-            <a:r>
-              <a:rPr lang="zh-TW" altLang="en-US" dirty="0"/>
-              <a:t>改進程式結構</a:t>
-            </a:r>
-            <a:endParaRPr lang="en-US" altLang="zh-TW" dirty="0"/>
-          </a:p>
-          <a:p>
-            <a:endParaRPr lang="en-US" altLang="zh-TW" dirty="0"/>
-          </a:p>
-          <a:p>
-            <a:r>
-              <a:rPr lang="zh-TW" altLang="en-US" dirty="0"/>
-              <a:t>實作更多功能</a:t>
-            </a:r>
-            <a:endParaRPr lang="en-US" altLang="zh-TW" dirty="0"/>
-          </a:p>
-          <a:p>
-            <a:endParaRPr lang="en-US" altLang="zh-TW" dirty="0"/>
-          </a:p>
-          <a:p>
-            <a:r>
-              <a:rPr lang="zh-TW" altLang="en-US" dirty="0"/>
-              <a:t>美化介面外觀</a:t>
-            </a:r>
-            <a:endParaRPr lang="en-US" altLang="zh-TW" dirty="0"/>
-          </a:p>
-          <a:p>
-            <a:endParaRPr lang="en-US" altLang="zh-TW" dirty="0"/>
-          </a:p>
-          <a:p>
-            <a:r>
-              <a:rPr lang="zh-TW" altLang="en-US" dirty="0"/>
-              <a:t>優化應用程式</a:t>
-            </a:r>
-            <a:endParaRPr lang="en-US" altLang="zh-TW" dirty="0"/>
+              <a:t>軟體功能</a:t>
+            </a:r>
+          </a:p>
+        </p:txBody>
+      </p:sp>
+      <p:sp>
+        <p:nvSpPr>
+          <p:cNvPr id="3" name="文字版面配置區 2">
+            <a:extLst>
+              <a:ext uri="{FF2B5EF4-FFF2-40B4-BE49-F238E27FC236}">
+                <a16:creationId xmlns:a16="http://schemas.microsoft.com/office/drawing/2014/main" id="{393CD0CF-A40A-4C10-9F73-7ED38FD24941}"/>
+              </a:ext>
+            </a:extLst>
+          </p:cNvPr>
+          <p:cNvSpPr>
+            <a:spLocks noGrp="1"/>
+          </p:cNvSpPr>
+          <p:nvPr>
+            <p:ph type="body" idx="1"/>
+          </p:nvPr>
+        </p:nvSpPr>
+        <p:spPr/>
+        <p:txBody>
+          <a:bodyPr/>
+          <a:lstStyle/>
+          <a:p>
+            <a:endParaRPr lang="zh-TW" altLang="en-US" dirty="0"/>
           </a:p>
         </p:txBody>
       </p:sp>
@@ -4987,7 +5108,7 @@
           <p:cNvPr id="4" name="日期版面配置區 3">
             <a:extLst>
               <a:ext uri="{FF2B5EF4-FFF2-40B4-BE49-F238E27FC236}">
-                <a16:creationId xmlns:a16="http://schemas.microsoft.com/office/drawing/2014/main" id="{3CBCC2E8-EDA9-4DB5-A436-98D1E0A0705D}"/>
+                <a16:creationId xmlns:a16="http://schemas.microsoft.com/office/drawing/2014/main" id="{F4AE85A0-4D50-45CD-B7EB-2532A28BA675}"/>
               </a:ext>
             </a:extLst>
           </p:cNvPr>
@@ -5004,10 +5125,10 @@
           <a:lstStyle/>
           <a:p>
             <a:r>
-              <a:rPr lang="en-US" altLang="zh-TW"/>
+              <a:rPr lang="en-US" altLang="zh-TW" dirty="0"/>
               <a:t>2020 / 06 / 19</a:t>
             </a:r>
-            <a:endParaRPr lang="zh-TW" altLang="en-US"/>
+            <a:endParaRPr lang="zh-TW" altLang="en-US" dirty="0"/>
           </a:p>
         </p:txBody>
       </p:sp>
@@ -5016,7 +5137,7 @@
           <p:cNvPr id="5" name="頁尾版面配置區 4">
             <a:extLst>
               <a:ext uri="{FF2B5EF4-FFF2-40B4-BE49-F238E27FC236}">
-                <a16:creationId xmlns:a16="http://schemas.microsoft.com/office/drawing/2014/main" id="{D988BD1C-F1F1-42D6-B655-3DDED822431A}"/>
+                <a16:creationId xmlns:a16="http://schemas.microsoft.com/office/drawing/2014/main" id="{02874CE2-93C0-46AF-82FF-F407947E0848}"/>
               </a:ext>
             </a:extLst>
           </p:cNvPr>
@@ -5048,7 +5169,7 @@
           <p:cNvPr id="6" name="投影片編號版面配置區 5">
             <a:extLst>
               <a:ext uri="{FF2B5EF4-FFF2-40B4-BE49-F238E27FC236}">
-                <a16:creationId xmlns:a16="http://schemas.microsoft.com/office/drawing/2014/main" id="{98593BBC-F050-475F-A4E0-66B68F7013D1}"/>
+                <a16:creationId xmlns:a16="http://schemas.microsoft.com/office/drawing/2014/main" id="{86C0E1A4-229F-4FC1-8F79-3ECE949E05F3}"/>
               </a:ext>
             </a:extLst>
           </p:cNvPr>
@@ -5075,7 +5196,7 @@
     </p:spTree>
     <p:extLst>
       <p:ext uri="{BB962C8B-B14F-4D97-AF65-F5344CB8AC3E}">
-        <p14:creationId xmlns:p14="http://schemas.microsoft.com/office/powerpoint/2010/main" val="768468787"/>
+        <p14:creationId xmlns:p14="http://schemas.microsoft.com/office/powerpoint/2010/main" val="1618232840"/>
       </p:ext>
     </p:extLst>
   </p:cSld>
@@ -5107,7 +5228,7 @@
           <p:cNvPr id="2" name="標題 1">
             <a:extLst>
               <a:ext uri="{FF2B5EF4-FFF2-40B4-BE49-F238E27FC236}">
-                <a16:creationId xmlns:a16="http://schemas.microsoft.com/office/drawing/2014/main" id="{3290C853-399A-4B9C-92FC-215D319A5585}"/>
+                <a16:creationId xmlns:a16="http://schemas.microsoft.com/office/drawing/2014/main" id="{ECC9C9B3-4091-43D9-A6E5-1A51954405E0}"/>
               </a:ext>
             </a:extLst>
           </p:cNvPr>
@@ -5123,44 +5244,167 @@
           <a:bodyPr/>
           <a:lstStyle/>
           <a:p>
+            <a:pPr algn="ctr"/>
             <a:r>
               <a:rPr lang="zh-TW" altLang="en-US" dirty="0"/>
-              <a:t>操作演示</a:t>
-            </a:r>
-          </a:p>
-        </p:txBody>
-      </p:sp>
-      <p:sp>
-        <p:nvSpPr>
-          <p:cNvPr id="3" name="文字版面配置區 2">
-            <a:extLst>
-              <a:ext uri="{FF2B5EF4-FFF2-40B4-BE49-F238E27FC236}">
-                <a16:creationId xmlns:a16="http://schemas.microsoft.com/office/drawing/2014/main" id="{AD6719AD-6367-4B6D-93BC-3519083419BA}"/>
-              </a:ext>
-            </a:extLst>
-          </p:cNvPr>
-          <p:cNvSpPr>
-            <a:spLocks noGrp="1"/>
-          </p:cNvSpPr>
-          <p:nvPr>
-            <p:ph type="body" idx="1"/>
-          </p:nvPr>
-        </p:nvSpPr>
-        <p:spPr/>
-        <p:txBody>
-          <a:bodyPr/>
-          <a:lstStyle/>
-          <a:p>
-            <a:endParaRPr lang="zh-TW" altLang="en-US"/>
-          </a:p>
-        </p:txBody>
-      </p:sp>
-      <p:sp>
-        <p:nvSpPr>
-          <p:cNvPr id="4" name="日期版面配置區 3">
-            <a:extLst>
-              <a:ext uri="{FF2B5EF4-FFF2-40B4-BE49-F238E27FC236}">
-                <a16:creationId xmlns:a16="http://schemas.microsoft.com/office/drawing/2014/main" id="{3FB02FBF-3AD6-48EA-B886-D75A77CF404E}"/>
+              <a:t>軟體功能</a:t>
+            </a:r>
+          </a:p>
+        </p:txBody>
+      </p:sp>
+      <p:sp>
+        <p:nvSpPr>
+          <p:cNvPr id="3" name="內容版面配置區 2">
+            <a:extLst>
+              <a:ext uri="{FF2B5EF4-FFF2-40B4-BE49-F238E27FC236}">
+                <a16:creationId xmlns:a16="http://schemas.microsoft.com/office/drawing/2014/main" id="{913A4AE1-5B0C-4D05-B502-CE3F4A41EE2F}"/>
+              </a:ext>
+            </a:extLst>
+          </p:cNvPr>
+          <p:cNvSpPr>
+            <a:spLocks noGrp="1"/>
+          </p:cNvSpPr>
+          <p:nvPr>
+            <p:ph sz="half" idx="1"/>
+          </p:nvPr>
+        </p:nvSpPr>
+        <p:spPr/>
+        <p:txBody>
+          <a:bodyPr/>
+          <a:lstStyle/>
+          <a:p>
+            <a:endParaRPr lang="en-US" altLang="zh-TW" dirty="0"/>
+          </a:p>
+          <a:p>
+            <a:r>
+              <a:rPr lang="zh-TW" altLang="en-US" dirty="0"/>
+              <a:t>天氣實時觀測資料</a:t>
+            </a:r>
+            <a:endParaRPr lang="en-US" altLang="zh-TW" dirty="0"/>
+          </a:p>
+          <a:p>
+            <a:endParaRPr lang="en-US" altLang="zh-TW" dirty="0"/>
+          </a:p>
+          <a:p>
+            <a:r>
+              <a:rPr lang="zh-TW" altLang="en-US" dirty="0"/>
+              <a:t>地圖觀測資料呈現</a:t>
+            </a:r>
+            <a:endParaRPr lang="en-US" altLang="zh-TW" dirty="0"/>
+          </a:p>
+          <a:p>
+            <a:endParaRPr lang="en-US" altLang="zh-TW" dirty="0"/>
+          </a:p>
+          <a:p>
+            <a:r>
+              <a:rPr lang="zh-TW" altLang="en-US" dirty="0"/>
+              <a:t>站點觀測資料呈現</a:t>
+            </a:r>
+          </a:p>
+          <a:p>
+            <a:endParaRPr lang="zh-TW" altLang="en-US" dirty="0"/>
+          </a:p>
+        </p:txBody>
+      </p:sp>
+      <p:sp>
+        <p:nvSpPr>
+          <p:cNvPr id="4" name="內容版面配置區 3">
+            <a:extLst>
+              <a:ext uri="{FF2B5EF4-FFF2-40B4-BE49-F238E27FC236}">
+                <a16:creationId xmlns:a16="http://schemas.microsoft.com/office/drawing/2014/main" id="{1D2E2B02-604F-45B3-88CB-A19C043AB59C}"/>
+              </a:ext>
+            </a:extLst>
+          </p:cNvPr>
+          <p:cNvSpPr>
+            <a:spLocks noGrp="1"/>
+          </p:cNvSpPr>
+          <p:nvPr>
+            <p:ph sz="half" idx="2"/>
+          </p:nvPr>
+        </p:nvSpPr>
+        <p:spPr/>
+        <p:txBody>
+          <a:bodyPr/>
+          <a:lstStyle/>
+          <a:p>
+            <a:endParaRPr lang="en-US" altLang="zh-TW" dirty="0"/>
+          </a:p>
+          <a:p>
+            <a:r>
+              <a:rPr lang="zh-TW" altLang="en-US" dirty="0">
+                <a:solidFill>
+                  <a:schemeClr val="bg2">
+                    <a:lumMod val="75000"/>
+                  </a:schemeClr>
+                </a:solidFill>
+              </a:rPr>
+              <a:t>各地天氣預測資料</a:t>
+            </a:r>
+            <a:endParaRPr lang="en-US" altLang="zh-TW" dirty="0">
+              <a:solidFill>
+                <a:schemeClr val="bg2">
+                  <a:lumMod val="75000"/>
+                </a:schemeClr>
+              </a:solidFill>
+            </a:endParaRPr>
+          </a:p>
+          <a:p>
+            <a:endParaRPr lang="en-US" altLang="zh-TW" dirty="0">
+              <a:solidFill>
+                <a:schemeClr val="bg2">
+                  <a:lumMod val="75000"/>
+                </a:schemeClr>
+              </a:solidFill>
+            </a:endParaRPr>
+          </a:p>
+          <a:p>
+            <a:r>
+              <a:rPr lang="zh-TW" altLang="en-US" dirty="0">
+                <a:solidFill>
+                  <a:schemeClr val="bg2">
+                    <a:lumMod val="75000"/>
+                  </a:schemeClr>
+                </a:solidFill>
+              </a:rPr>
+              <a:t>雷達回波地圖呈現</a:t>
+            </a:r>
+            <a:endParaRPr lang="en-US" altLang="zh-TW" dirty="0">
+              <a:solidFill>
+                <a:schemeClr val="bg2">
+                  <a:lumMod val="75000"/>
+                </a:schemeClr>
+              </a:solidFill>
+            </a:endParaRPr>
+          </a:p>
+          <a:p>
+            <a:endParaRPr lang="en-US" altLang="zh-TW" dirty="0">
+              <a:solidFill>
+                <a:schemeClr val="bg2">
+                  <a:lumMod val="75000"/>
+                </a:schemeClr>
+              </a:solidFill>
+            </a:endParaRPr>
+          </a:p>
+          <a:p>
+            <a:r>
+              <a:rPr lang="zh-TW" altLang="en-US" dirty="0">
+                <a:solidFill>
+                  <a:schemeClr val="bg2">
+                    <a:lumMod val="75000"/>
+                  </a:schemeClr>
+                </a:solidFill>
+              </a:rPr>
+              <a:t>使用者設定檔功能</a:t>
+            </a:r>
+          </a:p>
+        </p:txBody>
+      </p:sp>
+      <p:sp>
+        <p:nvSpPr>
+          <p:cNvPr id="5" name="日期版面配置區 4">
+            <a:extLst>
+              <a:ext uri="{FF2B5EF4-FFF2-40B4-BE49-F238E27FC236}">
+                <a16:creationId xmlns:a16="http://schemas.microsoft.com/office/drawing/2014/main" id="{66FCA2E9-40DE-48F0-9ACB-D186CB0B1A89}"/>
               </a:ext>
             </a:extLst>
           </p:cNvPr>
@@ -5186,10 +5430,10 @@
       </p:sp>
       <p:sp>
         <p:nvSpPr>
-          <p:cNvPr id="5" name="頁尾版面配置區 4">
-            <a:extLst>
-              <a:ext uri="{FF2B5EF4-FFF2-40B4-BE49-F238E27FC236}">
-                <a16:creationId xmlns:a16="http://schemas.microsoft.com/office/drawing/2014/main" id="{1BD693EE-F8D9-445B-A810-6F70E113154B}"/>
+          <p:cNvPr id="6" name="頁尾版面配置區 5">
+            <a:extLst>
+              <a:ext uri="{FF2B5EF4-FFF2-40B4-BE49-F238E27FC236}">
+                <a16:creationId xmlns:a16="http://schemas.microsoft.com/office/drawing/2014/main" id="{F0FAEACE-3CD5-4582-8949-AE461FC9D4AC}"/>
               </a:ext>
             </a:extLst>
           </p:cNvPr>
@@ -5218,10 +5462,10 @@
       </p:sp>
       <p:sp>
         <p:nvSpPr>
-          <p:cNvPr id="6" name="投影片編號版面配置區 5">
-            <a:extLst>
-              <a:ext uri="{FF2B5EF4-FFF2-40B4-BE49-F238E27FC236}">
-                <a16:creationId xmlns:a16="http://schemas.microsoft.com/office/drawing/2014/main" id="{40C81635-8FC5-4AD2-9C25-EAE1615A6FB0}"/>
+          <p:cNvPr id="7" name="投影片編號版面配置區 6">
+            <a:extLst>
+              <a:ext uri="{FF2B5EF4-FFF2-40B4-BE49-F238E27FC236}">
+                <a16:creationId xmlns:a16="http://schemas.microsoft.com/office/drawing/2014/main" id="{F4EF402E-3BA7-44A7-B78D-DA02DF4C6003}"/>
               </a:ext>
             </a:extLst>
           </p:cNvPr>
@@ -5240,6 +5484,560 @@
             <a:fld id="{D2632AAB-FA26-4DCC-844A-206445E3749A}" type="slidenum">
               <a:rPr lang="zh-TW" altLang="en-US" smtClean="0"/>
               <a:t>13</a:t>
+            </a:fld>
+            <a:endParaRPr lang="zh-TW" altLang="en-US"/>
+          </a:p>
+        </p:txBody>
+      </p:sp>
+    </p:spTree>
+    <p:extLst>
+      <p:ext uri="{BB962C8B-B14F-4D97-AF65-F5344CB8AC3E}">
+        <p14:creationId xmlns:p14="http://schemas.microsoft.com/office/powerpoint/2010/main" val="1508282055"/>
+      </p:ext>
+    </p:extLst>
+  </p:cSld>
+  <p:clrMapOvr>
+    <a:masterClrMapping/>
+  </p:clrMapOvr>
+</p:sld>
+</file>
+
+<file path=ppt/slides/slide15.xml><?xml version="1.0" encoding="utf-8"?>
+<p:sld xmlns:a="http://schemas.openxmlformats.org/drawingml/2006/main" xmlns:r="http://schemas.openxmlformats.org/officeDocument/2006/relationships" xmlns:p="http://schemas.openxmlformats.org/presentationml/2006/main">
+  <p:cSld>
+    <p:spTree>
+      <p:nvGrpSpPr>
+        <p:cNvPr id="1" name=""/>
+        <p:cNvGrpSpPr/>
+        <p:nvPr/>
+      </p:nvGrpSpPr>
+      <p:grpSpPr>
+        <a:xfrm>
+          <a:off x="0" y="0"/>
+          <a:ext cx="0" cy="0"/>
+          <a:chOff x="0" y="0"/>
+          <a:chExt cx="0" cy="0"/>
+        </a:xfrm>
+      </p:grpSpPr>
+      <p:sp>
+        <p:nvSpPr>
+          <p:cNvPr id="2" name="標題 1">
+            <a:extLst>
+              <a:ext uri="{FF2B5EF4-FFF2-40B4-BE49-F238E27FC236}">
+                <a16:creationId xmlns:a16="http://schemas.microsoft.com/office/drawing/2014/main" id="{8D35445C-2926-4837-962C-21811924B5EE}"/>
+              </a:ext>
+            </a:extLst>
+          </p:cNvPr>
+          <p:cNvSpPr>
+            <a:spLocks noGrp="1"/>
+          </p:cNvSpPr>
+          <p:nvPr>
+            <p:ph type="title"/>
+          </p:nvPr>
+        </p:nvSpPr>
+        <p:spPr/>
+        <p:txBody>
+          <a:bodyPr/>
+          <a:lstStyle/>
+          <a:p>
+            <a:r>
+              <a:rPr lang="zh-TW" altLang="en-US" dirty="0"/>
+              <a:t>未來展望</a:t>
+            </a:r>
+          </a:p>
+        </p:txBody>
+      </p:sp>
+      <p:sp>
+        <p:nvSpPr>
+          <p:cNvPr id="3" name="文字版面配置區 2">
+            <a:extLst>
+              <a:ext uri="{FF2B5EF4-FFF2-40B4-BE49-F238E27FC236}">
+                <a16:creationId xmlns:a16="http://schemas.microsoft.com/office/drawing/2014/main" id="{A4F590D2-2189-4B45-B6E1-D0AE178AEAAC}"/>
+              </a:ext>
+            </a:extLst>
+          </p:cNvPr>
+          <p:cNvSpPr>
+            <a:spLocks noGrp="1"/>
+          </p:cNvSpPr>
+          <p:nvPr>
+            <p:ph type="body" idx="1"/>
+          </p:nvPr>
+        </p:nvSpPr>
+        <p:spPr/>
+        <p:txBody>
+          <a:bodyPr/>
+          <a:lstStyle/>
+          <a:p>
+            <a:endParaRPr lang="zh-TW" altLang="en-US"/>
+          </a:p>
+        </p:txBody>
+      </p:sp>
+      <p:sp>
+        <p:nvSpPr>
+          <p:cNvPr id="4" name="日期版面配置區 3">
+            <a:extLst>
+              <a:ext uri="{FF2B5EF4-FFF2-40B4-BE49-F238E27FC236}">
+                <a16:creationId xmlns:a16="http://schemas.microsoft.com/office/drawing/2014/main" id="{06B41A6A-2667-4606-9D60-D4C8EBDA65CB}"/>
+              </a:ext>
+            </a:extLst>
+          </p:cNvPr>
+          <p:cNvSpPr>
+            <a:spLocks noGrp="1"/>
+          </p:cNvSpPr>
+          <p:nvPr>
+            <p:ph type="dt" sz="half" idx="10"/>
+          </p:nvPr>
+        </p:nvSpPr>
+        <p:spPr/>
+        <p:txBody>
+          <a:bodyPr/>
+          <a:lstStyle/>
+          <a:p>
+            <a:r>
+              <a:rPr lang="en-US" altLang="zh-TW"/>
+              <a:t>2020 / 06 / 19</a:t>
+            </a:r>
+            <a:endParaRPr lang="zh-TW" altLang="en-US"/>
+          </a:p>
+        </p:txBody>
+      </p:sp>
+      <p:sp>
+        <p:nvSpPr>
+          <p:cNvPr id="5" name="頁尾版面配置區 4">
+            <a:extLst>
+              <a:ext uri="{FF2B5EF4-FFF2-40B4-BE49-F238E27FC236}">
+                <a16:creationId xmlns:a16="http://schemas.microsoft.com/office/drawing/2014/main" id="{0C138FB2-9BFA-48E5-A5C0-21B95D3FC7E3}"/>
+              </a:ext>
+            </a:extLst>
+          </p:cNvPr>
+          <p:cNvSpPr>
+            <a:spLocks noGrp="1"/>
+          </p:cNvSpPr>
+          <p:nvPr>
+            <p:ph type="ftr" sz="quarter" idx="11"/>
+          </p:nvPr>
+        </p:nvSpPr>
+        <p:spPr/>
+        <p:txBody>
+          <a:bodyPr/>
+          <a:lstStyle/>
+          <a:p>
+            <a:r>
+              <a:rPr lang="en-US" altLang="zh-TW"/>
+              <a:t>108502523</a:t>
+            </a:r>
+            <a:r>
+              <a:rPr lang="zh-TW" altLang="en-US"/>
+              <a:t>．劉子雍</a:t>
+            </a:r>
+          </a:p>
+        </p:txBody>
+      </p:sp>
+      <p:sp>
+        <p:nvSpPr>
+          <p:cNvPr id="6" name="投影片編號版面配置區 5">
+            <a:extLst>
+              <a:ext uri="{FF2B5EF4-FFF2-40B4-BE49-F238E27FC236}">
+                <a16:creationId xmlns:a16="http://schemas.microsoft.com/office/drawing/2014/main" id="{9601DCE9-6133-4E3F-B004-99BD074E0142}"/>
+              </a:ext>
+            </a:extLst>
+          </p:cNvPr>
+          <p:cNvSpPr>
+            <a:spLocks noGrp="1"/>
+          </p:cNvSpPr>
+          <p:nvPr>
+            <p:ph type="sldNum" sz="quarter" idx="12"/>
+          </p:nvPr>
+        </p:nvSpPr>
+        <p:spPr/>
+        <p:txBody>
+          <a:bodyPr/>
+          <a:lstStyle/>
+          <a:p>
+            <a:fld id="{D2632AAB-FA26-4DCC-844A-206445E3749A}" type="slidenum">
+              <a:rPr lang="zh-TW" altLang="en-US" smtClean="0"/>
+              <a:t>14</a:t>
+            </a:fld>
+            <a:endParaRPr lang="zh-TW" altLang="en-US"/>
+          </a:p>
+        </p:txBody>
+      </p:sp>
+    </p:spTree>
+    <p:extLst>
+      <p:ext uri="{BB962C8B-B14F-4D97-AF65-F5344CB8AC3E}">
+        <p14:creationId xmlns:p14="http://schemas.microsoft.com/office/powerpoint/2010/main" val="3306701362"/>
+      </p:ext>
+    </p:extLst>
+  </p:cSld>
+  <p:clrMapOvr>
+    <a:masterClrMapping/>
+  </p:clrMapOvr>
+</p:sld>
+</file>
+
+<file path=ppt/slides/slide16.xml><?xml version="1.0" encoding="utf-8"?>
+<p:sld xmlns:a="http://schemas.openxmlformats.org/drawingml/2006/main" xmlns:r="http://schemas.openxmlformats.org/officeDocument/2006/relationships" xmlns:p="http://schemas.openxmlformats.org/presentationml/2006/main">
+  <p:cSld>
+    <p:spTree>
+      <p:nvGrpSpPr>
+        <p:cNvPr id="1" name=""/>
+        <p:cNvGrpSpPr/>
+        <p:nvPr/>
+      </p:nvGrpSpPr>
+      <p:grpSpPr>
+        <a:xfrm>
+          <a:off x="0" y="0"/>
+          <a:ext cx="0" cy="0"/>
+          <a:chOff x="0" y="0"/>
+          <a:chExt cx="0" cy="0"/>
+        </a:xfrm>
+      </p:grpSpPr>
+      <p:sp>
+        <p:nvSpPr>
+          <p:cNvPr id="2" name="標題 1">
+            <a:extLst>
+              <a:ext uri="{FF2B5EF4-FFF2-40B4-BE49-F238E27FC236}">
+                <a16:creationId xmlns:a16="http://schemas.microsoft.com/office/drawing/2014/main" id="{981A2F2D-B2AC-4DF2-B715-6B3B17D00301}"/>
+              </a:ext>
+            </a:extLst>
+          </p:cNvPr>
+          <p:cNvSpPr>
+            <a:spLocks noGrp="1"/>
+          </p:cNvSpPr>
+          <p:nvPr>
+            <p:ph type="title"/>
+          </p:nvPr>
+        </p:nvSpPr>
+        <p:spPr/>
+        <p:txBody>
+          <a:bodyPr/>
+          <a:lstStyle/>
+          <a:p>
+            <a:pPr algn="ctr"/>
+            <a:r>
+              <a:rPr lang="zh-TW" altLang="en-US" dirty="0"/>
+              <a:t>未來展望</a:t>
+            </a:r>
+          </a:p>
+        </p:txBody>
+      </p:sp>
+      <p:sp>
+        <p:nvSpPr>
+          <p:cNvPr id="3" name="內容版面配置區 2">
+            <a:extLst>
+              <a:ext uri="{FF2B5EF4-FFF2-40B4-BE49-F238E27FC236}">
+                <a16:creationId xmlns:a16="http://schemas.microsoft.com/office/drawing/2014/main" id="{FF6374CA-07EB-4D40-A536-DE4CFF43E5B4}"/>
+              </a:ext>
+            </a:extLst>
+          </p:cNvPr>
+          <p:cNvSpPr>
+            <a:spLocks noGrp="1"/>
+          </p:cNvSpPr>
+          <p:nvPr>
+            <p:ph idx="1"/>
+          </p:nvPr>
+        </p:nvSpPr>
+        <p:spPr/>
+        <p:txBody>
+          <a:bodyPr/>
+          <a:lstStyle/>
+          <a:p>
+            <a:r>
+              <a:rPr lang="zh-TW" altLang="en-US" dirty="0"/>
+              <a:t>改進程式結構</a:t>
+            </a:r>
+            <a:endParaRPr lang="en-US" altLang="zh-TW" dirty="0"/>
+          </a:p>
+          <a:p>
+            <a:endParaRPr lang="en-US" altLang="zh-TW" dirty="0"/>
+          </a:p>
+          <a:p>
+            <a:r>
+              <a:rPr lang="zh-TW" altLang="en-US" dirty="0"/>
+              <a:t>實作更多功能</a:t>
+            </a:r>
+            <a:endParaRPr lang="en-US" altLang="zh-TW" dirty="0"/>
+          </a:p>
+          <a:p>
+            <a:endParaRPr lang="en-US" altLang="zh-TW" dirty="0"/>
+          </a:p>
+          <a:p>
+            <a:r>
+              <a:rPr lang="zh-TW" altLang="en-US" dirty="0"/>
+              <a:t>美化介面外觀</a:t>
+            </a:r>
+            <a:endParaRPr lang="en-US" altLang="zh-TW" dirty="0"/>
+          </a:p>
+          <a:p>
+            <a:endParaRPr lang="en-US" altLang="zh-TW" dirty="0"/>
+          </a:p>
+          <a:p>
+            <a:r>
+              <a:rPr lang="zh-TW" altLang="en-US" dirty="0"/>
+              <a:t>優化應用程式</a:t>
+            </a:r>
+            <a:endParaRPr lang="en-US" altLang="zh-TW" dirty="0"/>
+          </a:p>
+        </p:txBody>
+      </p:sp>
+      <p:sp>
+        <p:nvSpPr>
+          <p:cNvPr id="4" name="日期版面配置區 3">
+            <a:extLst>
+              <a:ext uri="{FF2B5EF4-FFF2-40B4-BE49-F238E27FC236}">
+                <a16:creationId xmlns:a16="http://schemas.microsoft.com/office/drawing/2014/main" id="{3CBCC2E8-EDA9-4DB5-A436-98D1E0A0705D}"/>
+              </a:ext>
+            </a:extLst>
+          </p:cNvPr>
+          <p:cNvSpPr>
+            <a:spLocks noGrp="1"/>
+          </p:cNvSpPr>
+          <p:nvPr>
+            <p:ph type="dt" sz="half" idx="10"/>
+          </p:nvPr>
+        </p:nvSpPr>
+        <p:spPr/>
+        <p:txBody>
+          <a:bodyPr/>
+          <a:lstStyle/>
+          <a:p>
+            <a:r>
+              <a:rPr lang="en-US" altLang="zh-TW"/>
+              <a:t>2020 / 06 / 19</a:t>
+            </a:r>
+            <a:endParaRPr lang="zh-TW" altLang="en-US"/>
+          </a:p>
+        </p:txBody>
+      </p:sp>
+      <p:sp>
+        <p:nvSpPr>
+          <p:cNvPr id="5" name="頁尾版面配置區 4">
+            <a:extLst>
+              <a:ext uri="{FF2B5EF4-FFF2-40B4-BE49-F238E27FC236}">
+                <a16:creationId xmlns:a16="http://schemas.microsoft.com/office/drawing/2014/main" id="{D988BD1C-F1F1-42D6-B655-3DDED822431A}"/>
+              </a:ext>
+            </a:extLst>
+          </p:cNvPr>
+          <p:cNvSpPr>
+            <a:spLocks noGrp="1"/>
+          </p:cNvSpPr>
+          <p:nvPr>
+            <p:ph type="ftr" sz="quarter" idx="11"/>
+          </p:nvPr>
+        </p:nvSpPr>
+        <p:spPr/>
+        <p:txBody>
+          <a:bodyPr/>
+          <a:lstStyle/>
+          <a:p>
+            <a:r>
+              <a:rPr lang="en-US" altLang="zh-TW"/>
+              <a:t>108502523</a:t>
+            </a:r>
+            <a:r>
+              <a:rPr lang="zh-TW" altLang="en-US"/>
+              <a:t>．劉子雍</a:t>
+            </a:r>
+          </a:p>
+        </p:txBody>
+      </p:sp>
+      <p:sp>
+        <p:nvSpPr>
+          <p:cNvPr id="6" name="投影片編號版面配置區 5">
+            <a:extLst>
+              <a:ext uri="{FF2B5EF4-FFF2-40B4-BE49-F238E27FC236}">
+                <a16:creationId xmlns:a16="http://schemas.microsoft.com/office/drawing/2014/main" id="{98593BBC-F050-475F-A4E0-66B68F7013D1}"/>
+              </a:ext>
+            </a:extLst>
+          </p:cNvPr>
+          <p:cNvSpPr>
+            <a:spLocks noGrp="1"/>
+          </p:cNvSpPr>
+          <p:nvPr>
+            <p:ph type="sldNum" sz="quarter" idx="12"/>
+          </p:nvPr>
+        </p:nvSpPr>
+        <p:spPr/>
+        <p:txBody>
+          <a:bodyPr/>
+          <a:lstStyle/>
+          <a:p>
+            <a:fld id="{D2632AAB-FA26-4DCC-844A-206445E3749A}" type="slidenum">
+              <a:rPr lang="zh-TW" altLang="en-US" smtClean="0"/>
+              <a:t>15</a:t>
+            </a:fld>
+            <a:endParaRPr lang="zh-TW" altLang="en-US"/>
+          </a:p>
+        </p:txBody>
+      </p:sp>
+    </p:spTree>
+    <p:extLst>
+      <p:ext uri="{BB962C8B-B14F-4D97-AF65-F5344CB8AC3E}">
+        <p14:creationId xmlns:p14="http://schemas.microsoft.com/office/powerpoint/2010/main" val="768468787"/>
+      </p:ext>
+    </p:extLst>
+  </p:cSld>
+  <p:clrMapOvr>
+    <a:masterClrMapping/>
+  </p:clrMapOvr>
+</p:sld>
+</file>
+
+<file path=ppt/slides/slide17.xml><?xml version="1.0" encoding="utf-8"?>
+<p:sld xmlns:a="http://schemas.openxmlformats.org/drawingml/2006/main" xmlns:r="http://schemas.openxmlformats.org/officeDocument/2006/relationships" xmlns:p="http://schemas.openxmlformats.org/presentationml/2006/main">
+  <p:cSld>
+    <p:spTree>
+      <p:nvGrpSpPr>
+        <p:cNvPr id="1" name=""/>
+        <p:cNvGrpSpPr/>
+        <p:nvPr/>
+      </p:nvGrpSpPr>
+      <p:grpSpPr>
+        <a:xfrm>
+          <a:off x="0" y="0"/>
+          <a:ext cx="0" cy="0"/>
+          <a:chOff x="0" y="0"/>
+          <a:chExt cx="0" cy="0"/>
+        </a:xfrm>
+      </p:grpSpPr>
+      <p:sp>
+        <p:nvSpPr>
+          <p:cNvPr id="2" name="標題 1">
+            <a:extLst>
+              <a:ext uri="{FF2B5EF4-FFF2-40B4-BE49-F238E27FC236}">
+                <a16:creationId xmlns:a16="http://schemas.microsoft.com/office/drawing/2014/main" id="{3290C853-399A-4B9C-92FC-215D319A5585}"/>
+              </a:ext>
+            </a:extLst>
+          </p:cNvPr>
+          <p:cNvSpPr>
+            <a:spLocks noGrp="1"/>
+          </p:cNvSpPr>
+          <p:nvPr>
+            <p:ph type="title"/>
+          </p:nvPr>
+        </p:nvSpPr>
+        <p:spPr/>
+        <p:txBody>
+          <a:bodyPr/>
+          <a:lstStyle/>
+          <a:p>
+            <a:r>
+              <a:rPr lang="zh-TW" altLang="en-US" dirty="0"/>
+              <a:t>操作演示</a:t>
+            </a:r>
+          </a:p>
+        </p:txBody>
+      </p:sp>
+      <p:sp>
+        <p:nvSpPr>
+          <p:cNvPr id="3" name="文字版面配置區 2">
+            <a:extLst>
+              <a:ext uri="{FF2B5EF4-FFF2-40B4-BE49-F238E27FC236}">
+                <a16:creationId xmlns:a16="http://schemas.microsoft.com/office/drawing/2014/main" id="{AD6719AD-6367-4B6D-93BC-3519083419BA}"/>
+              </a:ext>
+            </a:extLst>
+          </p:cNvPr>
+          <p:cNvSpPr>
+            <a:spLocks noGrp="1"/>
+          </p:cNvSpPr>
+          <p:nvPr>
+            <p:ph type="body" idx="1"/>
+          </p:nvPr>
+        </p:nvSpPr>
+        <p:spPr/>
+        <p:txBody>
+          <a:bodyPr/>
+          <a:lstStyle/>
+          <a:p>
+            <a:endParaRPr lang="zh-TW" altLang="en-US"/>
+          </a:p>
+        </p:txBody>
+      </p:sp>
+      <p:sp>
+        <p:nvSpPr>
+          <p:cNvPr id="4" name="日期版面配置區 3">
+            <a:extLst>
+              <a:ext uri="{FF2B5EF4-FFF2-40B4-BE49-F238E27FC236}">
+                <a16:creationId xmlns:a16="http://schemas.microsoft.com/office/drawing/2014/main" id="{3FB02FBF-3AD6-48EA-B886-D75A77CF404E}"/>
+              </a:ext>
+            </a:extLst>
+          </p:cNvPr>
+          <p:cNvSpPr>
+            <a:spLocks noGrp="1"/>
+          </p:cNvSpPr>
+          <p:nvPr>
+            <p:ph type="dt" sz="half" idx="10"/>
+          </p:nvPr>
+        </p:nvSpPr>
+        <p:spPr/>
+        <p:txBody>
+          <a:bodyPr/>
+          <a:lstStyle/>
+          <a:p>
+            <a:r>
+              <a:rPr lang="en-US" altLang="zh-TW"/>
+              <a:t>2020 / 06 / 19</a:t>
+            </a:r>
+            <a:endParaRPr lang="zh-TW" altLang="en-US"/>
+          </a:p>
+        </p:txBody>
+      </p:sp>
+      <p:sp>
+        <p:nvSpPr>
+          <p:cNvPr id="5" name="頁尾版面配置區 4">
+            <a:extLst>
+              <a:ext uri="{FF2B5EF4-FFF2-40B4-BE49-F238E27FC236}">
+                <a16:creationId xmlns:a16="http://schemas.microsoft.com/office/drawing/2014/main" id="{1BD693EE-F8D9-445B-A810-6F70E113154B}"/>
+              </a:ext>
+            </a:extLst>
+          </p:cNvPr>
+          <p:cNvSpPr>
+            <a:spLocks noGrp="1"/>
+          </p:cNvSpPr>
+          <p:nvPr>
+            <p:ph type="ftr" sz="quarter" idx="11"/>
+          </p:nvPr>
+        </p:nvSpPr>
+        <p:spPr/>
+        <p:txBody>
+          <a:bodyPr/>
+          <a:lstStyle/>
+          <a:p>
+            <a:r>
+              <a:rPr lang="en-US" altLang="zh-TW"/>
+              <a:t>108502523</a:t>
+            </a:r>
+            <a:r>
+              <a:rPr lang="zh-TW" altLang="en-US"/>
+              <a:t>．劉子雍</a:t>
+            </a:r>
+          </a:p>
+        </p:txBody>
+      </p:sp>
+      <p:sp>
+        <p:nvSpPr>
+          <p:cNvPr id="6" name="投影片編號版面配置區 5">
+            <a:extLst>
+              <a:ext uri="{FF2B5EF4-FFF2-40B4-BE49-F238E27FC236}">
+                <a16:creationId xmlns:a16="http://schemas.microsoft.com/office/drawing/2014/main" id="{40C81635-8FC5-4AD2-9C25-EAE1615A6FB0}"/>
+              </a:ext>
+            </a:extLst>
+          </p:cNvPr>
+          <p:cNvSpPr>
+            <a:spLocks noGrp="1"/>
+          </p:cNvSpPr>
+          <p:nvPr>
+            <p:ph type="sldNum" sz="quarter" idx="12"/>
+          </p:nvPr>
+        </p:nvSpPr>
+        <p:spPr/>
+        <p:txBody>
+          <a:bodyPr/>
+          <a:lstStyle/>
+          <a:p>
+            <a:fld id="{D2632AAB-FA26-4DCC-844A-206445E3749A}" type="slidenum">
+              <a:rPr lang="zh-TW" altLang="en-US" smtClean="0"/>
+              <a:t>16</a:t>
             </a:fld>
             <a:endParaRPr lang="zh-TW" altLang="en-US"/>
           </a:p>
@@ -5258,7 +6056,7 @@
 </p:sld>
 </file>
 
-<file path=ppt/slides/slide15.xml><?xml version="1.0" encoding="utf-8"?>
+<file path=ppt/slides/slide18.xml><?xml version="1.0" encoding="utf-8"?>
 <p:sld xmlns:a="http://schemas.openxmlformats.org/drawingml/2006/main" xmlns:r="http://schemas.openxmlformats.org/officeDocument/2006/relationships" xmlns:p="http://schemas.openxmlformats.org/presentationml/2006/main">
   <p:cSld>
     <p:spTree>
@@ -6324,7 +7122,7 @@
           <p:cNvPr id="2" name="標題 1">
             <a:extLst>
               <a:ext uri="{FF2B5EF4-FFF2-40B4-BE49-F238E27FC236}">
-                <a16:creationId xmlns:a16="http://schemas.microsoft.com/office/drawing/2014/main" id="{2758CAB5-7A56-4D14-B212-814D0CA9C488}"/>
+                <a16:creationId xmlns:a16="http://schemas.microsoft.com/office/drawing/2014/main" id="{A39668C7-D1D8-4FD6-A4A0-E1CAAE88B33F}"/>
               </a:ext>
             </a:extLst>
           </p:cNvPr>
@@ -6353,7 +7151,7 @@
           <p:cNvPr id="3" name="內容版面配置區 2">
             <a:extLst>
               <a:ext uri="{FF2B5EF4-FFF2-40B4-BE49-F238E27FC236}">
-                <a16:creationId xmlns:a16="http://schemas.microsoft.com/office/drawing/2014/main" id="{6F4A9C68-CF3E-43AC-AB5F-9BC4EDCFD3B7}"/>
+                <a16:creationId xmlns:a16="http://schemas.microsoft.com/office/drawing/2014/main" id="{176FBA81-EB78-4B61-9C0B-AEBDDD5CC544}"/>
               </a:ext>
             </a:extLst>
           </p:cNvPr>
@@ -6369,33 +7167,6 @@
           <a:bodyPr/>
           <a:lstStyle/>
           <a:p>
-            <a:endParaRPr lang="en-US" altLang="zh-TW" dirty="0"/>
-          </a:p>
-          <a:p>
-            <a:r>
-              <a:rPr lang="zh-TW" altLang="en-US" dirty="0"/>
-              <a:t>政府資料開放平台</a:t>
-            </a:r>
-            <a:endParaRPr lang="en-US" altLang="zh-TW" dirty="0"/>
-          </a:p>
-          <a:p>
-            <a:endParaRPr lang="en-US" altLang="zh-TW" dirty="0"/>
-          </a:p>
-          <a:p>
-            <a:r>
-              <a:rPr lang="zh-TW" altLang="en-US" dirty="0"/>
-              <a:t>內政部國土測繪中心</a:t>
-            </a:r>
-            <a:endParaRPr lang="en-US" altLang="zh-TW" dirty="0"/>
-          </a:p>
-          <a:p>
-            <a:endParaRPr lang="en-US" altLang="zh-TW" dirty="0"/>
-          </a:p>
-          <a:p>
-            <a:r>
-              <a:rPr lang="en-US" altLang="zh-TW" dirty="0" err="1"/>
-              <a:t>Mapshaper</a:t>
-            </a:r>
             <a:endParaRPr lang="zh-TW" altLang="en-US" dirty="0"/>
           </a:p>
         </p:txBody>
@@ -6405,7 +7176,7 @@
           <p:cNvPr id="4" name="日期版面配置區 3">
             <a:extLst>
               <a:ext uri="{FF2B5EF4-FFF2-40B4-BE49-F238E27FC236}">
-                <a16:creationId xmlns:a16="http://schemas.microsoft.com/office/drawing/2014/main" id="{BB7FCB6B-84E2-42D2-A3CD-A708679C4196}"/>
+                <a16:creationId xmlns:a16="http://schemas.microsoft.com/office/drawing/2014/main" id="{93F0EC67-6558-4101-B1D0-076C81926892}"/>
               </a:ext>
             </a:extLst>
           </p:cNvPr>
@@ -6434,7 +7205,7 @@
           <p:cNvPr id="5" name="頁尾版面配置區 4">
             <a:extLst>
               <a:ext uri="{FF2B5EF4-FFF2-40B4-BE49-F238E27FC236}">
-                <a16:creationId xmlns:a16="http://schemas.microsoft.com/office/drawing/2014/main" id="{4BB606A4-49D1-4EA6-95B7-326B24BA7C96}"/>
+                <a16:creationId xmlns:a16="http://schemas.microsoft.com/office/drawing/2014/main" id="{812CAFF6-97CE-47EE-BD4A-9E34B89FAD10}"/>
               </a:ext>
             </a:extLst>
           </p:cNvPr>
@@ -6451,11 +7222,11 @@
           <a:lstStyle/>
           <a:p>
             <a:r>
-              <a:rPr lang="en-US" altLang="zh-TW"/>
+              <a:rPr lang="en-US" altLang="zh-TW" dirty="0"/>
               <a:t>108502523</a:t>
             </a:r>
             <a:r>
-              <a:rPr lang="zh-TW" altLang="en-US"/>
+              <a:rPr lang="zh-TW" altLang="en-US" dirty="0"/>
               <a:t>．劉子雍</a:t>
             </a:r>
           </a:p>
@@ -6466,7 +7237,7 @@
           <p:cNvPr id="6" name="投影片編號版面配置區 5">
             <a:extLst>
               <a:ext uri="{FF2B5EF4-FFF2-40B4-BE49-F238E27FC236}">
-                <a16:creationId xmlns:a16="http://schemas.microsoft.com/office/drawing/2014/main" id="{A31C2E51-CE0D-496C-B7A6-EAD6CA1DDD27}"/>
+                <a16:creationId xmlns:a16="http://schemas.microsoft.com/office/drawing/2014/main" id="{A82437AB-B6C3-4AD3-8996-44ABBD2EC3EC}"/>
               </a:ext>
             </a:extLst>
           </p:cNvPr>
@@ -6490,10 +7261,176 @@
           </a:p>
         </p:txBody>
       </p:sp>
+      <p:pic>
+        <p:nvPicPr>
+          <p:cNvPr id="2052" name="Picture 4" descr="SFA MultiPolygon with hole.svg">
+            <a:extLst>
+              <a:ext uri="{FF2B5EF4-FFF2-40B4-BE49-F238E27FC236}">
+                <a16:creationId xmlns:a16="http://schemas.microsoft.com/office/drawing/2014/main" id="{82C6AC38-09BB-4778-AC9B-AD974F414CB1}"/>
+              </a:ext>
+            </a:extLst>
+          </p:cNvPr>
+          <p:cNvPicPr>
+            <a:picLocks noChangeAspect="1" noChangeArrowheads="1"/>
+          </p:cNvPicPr>
+          <p:nvPr/>
+        </p:nvPicPr>
+        <p:blipFill>
+          <a:blip r:embed="rId2">
+            <a:extLst>
+              <a:ext uri="{28A0092B-C50C-407E-A947-70E740481C1C}">
+                <a14:useLocalDpi xmlns:a14="http://schemas.microsoft.com/office/drawing/2010/main" val="0"/>
+              </a:ext>
+            </a:extLst>
+          </a:blip>
+          <a:srcRect/>
+          <a:stretch>
+            <a:fillRect/>
+          </a:stretch>
+        </p:blipFill>
+        <p:spPr bwMode="auto">
+          <a:xfrm>
+            <a:off x="6883270" y="2507227"/>
+            <a:ext cx="2540259" cy="2540259"/>
+          </a:xfrm>
+          <a:prstGeom prst="rect">
+            <a:avLst/>
+          </a:prstGeom>
+          <a:noFill/>
+          <a:extLst>
+            <a:ext uri="{909E8E84-426E-40DD-AFC4-6F175D3DCCD1}">
+              <a14:hiddenFill xmlns:a14="http://schemas.microsoft.com/office/drawing/2010/main">
+                <a:solidFill>
+                  <a:srgbClr val="FFFFFF"/>
+                </a:solidFill>
+              </a14:hiddenFill>
+            </a:ext>
+          </a:extLst>
+        </p:spPr>
+      </p:pic>
+      <p:pic>
+        <p:nvPicPr>
+          <p:cNvPr id="9" name="Picture 2" descr="SFA Polygon with hole.svg">
+            <a:extLst>
+              <a:ext uri="{FF2B5EF4-FFF2-40B4-BE49-F238E27FC236}">
+                <a16:creationId xmlns:a16="http://schemas.microsoft.com/office/drawing/2014/main" id="{FCECCEF6-9421-412D-A4D0-48A57CA35A89}"/>
+              </a:ext>
+            </a:extLst>
+          </p:cNvPr>
+          <p:cNvPicPr>
+            <a:picLocks noChangeAspect="1" noChangeArrowheads="1"/>
+          </p:cNvPicPr>
+          <p:nvPr/>
+        </p:nvPicPr>
+        <p:blipFill>
+          <a:blip r:embed="rId3">
+            <a:extLst>
+              <a:ext uri="{28A0092B-C50C-407E-A947-70E740481C1C}">
+                <a14:useLocalDpi xmlns:a14="http://schemas.microsoft.com/office/drawing/2010/main" val="0"/>
+              </a:ext>
+            </a:extLst>
+          </a:blip>
+          <a:srcRect/>
+          <a:stretch>
+            <a:fillRect/>
+          </a:stretch>
+        </p:blipFill>
+        <p:spPr bwMode="auto">
+          <a:xfrm>
+            <a:off x="2768470" y="2507228"/>
+            <a:ext cx="2540259" cy="2540259"/>
+          </a:xfrm>
+          <a:prstGeom prst="rect">
+            <a:avLst/>
+          </a:prstGeom>
+          <a:noFill/>
+          <a:extLst>
+            <a:ext uri="{909E8E84-426E-40DD-AFC4-6F175D3DCCD1}">
+              <a14:hiddenFill xmlns:a14="http://schemas.microsoft.com/office/drawing/2010/main">
+                <a:solidFill>
+                  <a:srgbClr val="FFFFFF"/>
+                </a:solidFill>
+              </a14:hiddenFill>
+            </a:ext>
+          </a:extLst>
+        </p:spPr>
+      </p:pic>
+      <p:sp>
+        <p:nvSpPr>
+          <p:cNvPr id="7" name="文字方塊 6">
+            <a:extLst>
+              <a:ext uri="{FF2B5EF4-FFF2-40B4-BE49-F238E27FC236}">
+                <a16:creationId xmlns:a16="http://schemas.microsoft.com/office/drawing/2014/main" id="{69414269-C6ED-4365-B5B8-44689FDF96F1}"/>
+              </a:ext>
+            </a:extLst>
+          </p:cNvPr>
+          <p:cNvSpPr txBox="1"/>
+          <p:nvPr/>
+        </p:nvSpPr>
+        <p:spPr>
+          <a:xfrm>
+            <a:off x="3289996" y="5226874"/>
+            <a:ext cx="1497205" cy="523220"/>
+          </a:xfrm>
+          <a:prstGeom prst="rect">
+            <a:avLst/>
+          </a:prstGeom>
+          <a:noFill/>
+        </p:spPr>
+        <p:txBody>
+          <a:bodyPr wrap="none" rtlCol="0">
+            <a:spAutoFit/>
+          </a:bodyPr>
+          <a:lstStyle/>
+          <a:p>
+            <a:r>
+              <a:rPr lang="en-US" altLang="zh-TW" sz="2800" dirty="0"/>
+              <a:t>Polygon</a:t>
+            </a:r>
+            <a:endParaRPr lang="zh-TW" altLang="en-US" sz="2800" dirty="0"/>
+          </a:p>
+        </p:txBody>
+      </p:sp>
+      <p:sp>
+        <p:nvSpPr>
+          <p:cNvPr id="11" name="文字方塊 10">
+            <a:extLst>
+              <a:ext uri="{FF2B5EF4-FFF2-40B4-BE49-F238E27FC236}">
+                <a16:creationId xmlns:a16="http://schemas.microsoft.com/office/drawing/2014/main" id="{E761EF0A-A5A2-4BB9-833F-96177915AC85}"/>
+              </a:ext>
+            </a:extLst>
+          </p:cNvPr>
+          <p:cNvSpPr txBox="1"/>
+          <p:nvPr/>
+        </p:nvSpPr>
+        <p:spPr>
+          <a:xfrm>
+            <a:off x="7000038" y="5226873"/>
+            <a:ext cx="2306722" cy="523220"/>
+          </a:xfrm>
+          <a:prstGeom prst="rect">
+            <a:avLst/>
+          </a:prstGeom>
+          <a:noFill/>
+        </p:spPr>
+        <p:txBody>
+          <a:bodyPr wrap="none" rtlCol="0">
+            <a:spAutoFit/>
+          </a:bodyPr>
+          <a:lstStyle/>
+          <a:p>
+            <a:r>
+              <a:rPr lang="en-US" altLang="zh-TW" sz="2800" dirty="0" err="1"/>
+              <a:t>MultiPolygon</a:t>
+            </a:r>
+            <a:endParaRPr lang="zh-TW" altLang="en-US" sz="2800" dirty="0"/>
+          </a:p>
+        </p:txBody>
+      </p:sp>
     </p:spTree>
     <p:extLst>
       <p:ext uri="{BB962C8B-B14F-4D97-AF65-F5344CB8AC3E}">
-        <p14:creationId xmlns:p14="http://schemas.microsoft.com/office/powerpoint/2010/main" val="344607204"/>
+        <p14:creationId xmlns:p14="http://schemas.microsoft.com/office/powerpoint/2010/main" val="1233181667"/>
       </p:ext>
     </p:extLst>
   </p:cSld>
@@ -6525,7 +7462,7 @@
           <p:cNvPr id="2" name="標題 1">
             <a:extLst>
               <a:ext uri="{FF2B5EF4-FFF2-40B4-BE49-F238E27FC236}">
-                <a16:creationId xmlns:a16="http://schemas.microsoft.com/office/drawing/2014/main" id="{FDF87888-54D4-4608-BF86-8C7AC8691F9E}"/>
+                <a16:creationId xmlns:a16="http://schemas.microsoft.com/office/drawing/2014/main" id="{E831F6D1-AEF9-4373-A1AC-EB4A3933F29D}"/>
               </a:ext>
             </a:extLst>
           </p:cNvPr>
@@ -6554,7 +7491,7 @@
           <p:cNvPr id="3" name="內容版面配置區 2">
             <a:extLst>
               <a:ext uri="{FF2B5EF4-FFF2-40B4-BE49-F238E27FC236}">
-                <a16:creationId xmlns:a16="http://schemas.microsoft.com/office/drawing/2014/main" id="{053975AA-BA31-49DB-AA2F-3FCB68132EF0}"/>
+                <a16:creationId xmlns:a16="http://schemas.microsoft.com/office/drawing/2014/main" id="{3D313D05-2B5E-4E01-AA07-00FA36C1B799}"/>
               </a:ext>
             </a:extLst>
           </p:cNvPr>
@@ -6570,23 +7507,28 @@
           <a:bodyPr/>
           <a:lstStyle/>
           <a:p>
+            <a:r>
+              <a:rPr lang="en-US" altLang="zh-TW" dirty="0"/>
+              <a:t>ESRI Shapefile</a:t>
+            </a:r>
+          </a:p>
+          <a:p>
             <a:endParaRPr lang="en-US" altLang="zh-TW" dirty="0"/>
           </a:p>
           <a:p>
             <a:r>
               <a:rPr lang="en-US" altLang="zh-TW" dirty="0"/>
-              <a:t>CWB </a:t>
-            </a:r>
+              <a:t>CSV</a:t>
+            </a:r>
+          </a:p>
+          <a:p>
+            <a:endParaRPr lang="en-US" altLang="zh-TW" dirty="0"/>
+          </a:p>
+          <a:p>
             <a:r>
               <a:rPr lang="en-US" altLang="zh-TW" dirty="0" err="1"/>
-              <a:t>Opendata</a:t>
-            </a:r>
-            <a:r>
-              <a:rPr lang="en-US" altLang="zh-TW" dirty="0"/>
-              <a:t> RESTful API</a:t>
-            </a:r>
-          </a:p>
-          <a:p>
+              <a:t>GeoJSON</a:t>
+            </a:r>
             <a:endParaRPr lang="en-US" altLang="zh-TW" dirty="0"/>
           </a:p>
           <a:p>
@@ -6594,16 +7536,8 @@
           </a:p>
           <a:p>
             <a:r>
-              <a:rPr lang="en-US" altLang="zh-TW" dirty="0"/>
-              <a:t>HTTPS</a:t>
-            </a:r>
-            <a:r>
-              <a:rPr lang="zh-TW" altLang="en-US" dirty="0"/>
-              <a:t> </a:t>
-            </a:r>
-            <a:r>
-              <a:rPr lang="en-US" altLang="zh-TW" dirty="0"/>
-              <a:t>Request</a:t>
+              <a:rPr lang="en-US" altLang="zh-TW" dirty="0" err="1"/>
+              <a:t>TopoJSON</a:t>
             </a:r>
             <a:endParaRPr lang="zh-TW" altLang="en-US" dirty="0"/>
           </a:p>
@@ -6614,7 +7548,7 @@
           <p:cNvPr id="4" name="日期版面配置區 3">
             <a:extLst>
               <a:ext uri="{FF2B5EF4-FFF2-40B4-BE49-F238E27FC236}">
-                <a16:creationId xmlns:a16="http://schemas.microsoft.com/office/drawing/2014/main" id="{5432276A-7DB9-4E24-AEDC-3AF8ABA73772}"/>
+                <a16:creationId xmlns:a16="http://schemas.microsoft.com/office/drawing/2014/main" id="{333F8E2A-F6A8-4903-AD92-86ED52D7923A}"/>
               </a:ext>
             </a:extLst>
           </p:cNvPr>
@@ -6643,7 +7577,7 @@
           <p:cNvPr id="5" name="頁尾版面配置區 4">
             <a:extLst>
               <a:ext uri="{FF2B5EF4-FFF2-40B4-BE49-F238E27FC236}">
-                <a16:creationId xmlns:a16="http://schemas.microsoft.com/office/drawing/2014/main" id="{B025ED94-04CB-425A-BA6C-59F3FA812FAC}"/>
+                <a16:creationId xmlns:a16="http://schemas.microsoft.com/office/drawing/2014/main" id="{812D660A-A106-4890-AFFE-39E2B4B15323}"/>
               </a:ext>
             </a:extLst>
           </p:cNvPr>
@@ -6675,7 +7609,7 @@
           <p:cNvPr id="6" name="投影片編號版面配置區 5">
             <a:extLst>
               <a:ext uri="{FF2B5EF4-FFF2-40B4-BE49-F238E27FC236}">
-                <a16:creationId xmlns:a16="http://schemas.microsoft.com/office/drawing/2014/main" id="{A34317A0-BCAC-45D9-8AE8-E91B39D09910}"/>
+                <a16:creationId xmlns:a16="http://schemas.microsoft.com/office/drawing/2014/main" id="{7D9C8E51-FBD8-4CB9-9729-3A3D6C250C4A}"/>
               </a:ext>
             </a:extLst>
           </p:cNvPr>
@@ -6702,7 +7636,7 @@
     </p:spTree>
     <p:extLst>
       <p:ext uri="{BB962C8B-B14F-4D97-AF65-F5344CB8AC3E}">
-        <p14:creationId xmlns:p14="http://schemas.microsoft.com/office/powerpoint/2010/main" val="893423830"/>
+        <p14:creationId xmlns:p14="http://schemas.microsoft.com/office/powerpoint/2010/main" val="3518516326"/>
       </p:ext>
     </p:extLst>
   </p:cSld>
@@ -6734,7 +7668,7 @@
           <p:cNvPr id="2" name="標題 1">
             <a:extLst>
               <a:ext uri="{FF2B5EF4-FFF2-40B4-BE49-F238E27FC236}">
-                <a16:creationId xmlns:a16="http://schemas.microsoft.com/office/drawing/2014/main" id="{1061933C-AF5C-4132-AD38-25A9F67881AC}"/>
+                <a16:creationId xmlns:a16="http://schemas.microsoft.com/office/drawing/2014/main" id="{2758CAB5-7A56-4D14-B212-814D0CA9C488}"/>
               </a:ext>
             </a:extLst>
           </p:cNvPr>
@@ -6763,7 +7697,7 @@
           <p:cNvPr id="3" name="內容版面配置區 2">
             <a:extLst>
               <a:ext uri="{FF2B5EF4-FFF2-40B4-BE49-F238E27FC236}">
-                <a16:creationId xmlns:a16="http://schemas.microsoft.com/office/drawing/2014/main" id="{AEB51C1B-05EC-4B24-AD4F-420DED8660CE}"/>
+                <a16:creationId xmlns:a16="http://schemas.microsoft.com/office/drawing/2014/main" id="{6F4A9C68-CF3E-43AC-AB5F-9BC4EDCFD3B7}"/>
               </a:ext>
             </a:extLst>
           </p:cNvPr>
@@ -6776,50 +7710,49 @@
         </p:nvSpPr>
         <p:spPr/>
         <p:txBody>
-          <a:bodyPr>
-            <a:normAutofit/>
-          </a:bodyPr>
-          <a:lstStyle/>
-          <a:p>
+          <a:bodyPr/>
+          <a:lstStyle/>
+          <a:p>
+            <a:endParaRPr lang="en-US" altLang="zh-TW" dirty="0"/>
+          </a:p>
+          <a:p>
+            <a:r>
+              <a:rPr lang="zh-TW" altLang="en-US" dirty="0"/>
+              <a:t>政府資料開放平台</a:t>
+            </a:r>
+            <a:endParaRPr lang="en-US" altLang="zh-TW" dirty="0"/>
+          </a:p>
+          <a:p>
+            <a:endParaRPr lang="en-US" altLang="zh-TW" dirty="0"/>
+          </a:p>
+          <a:p>
+            <a:r>
+              <a:rPr lang="zh-TW" altLang="en-US" dirty="0"/>
+              <a:t>內政部國土測繪中心</a:t>
+            </a:r>
+            <a:endParaRPr lang="en-US" altLang="zh-TW" dirty="0"/>
+          </a:p>
+          <a:p>
+            <a:endParaRPr lang="en-US" altLang="zh-TW" dirty="0"/>
+          </a:p>
+          <a:p>
+            <a:r>
+              <a:rPr lang="en-US" altLang="zh-TW" dirty="0" err="1"/>
+              <a:t>Mapshaper</a:t>
+            </a:r>
+            <a:endParaRPr lang="en-US" altLang="zh-TW" dirty="0"/>
+          </a:p>
+          <a:p>
+            <a:endParaRPr lang="en-US" altLang="zh-TW" dirty="0"/>
+          </a:p>
+          <a:p>
+            <a:r>
+              <a:rPr lang="en-US" altLang="zh-TW" dirty="0" err="1"/>
+              <a:t>TopoJSON</a:t>
+            </a:r>
             <a:r>
               <a:rPr lang="en-US" altLang="zh-TW" dirty="0"/>
-              <a:t>Dark Theme</a:t>
-            </a:r>
-          </a:p>
-          <a:p>
-            <a:endParaRPr lang="en-US" altLang="zh-TW" sz="1800" dirty="0"/>
-          </a:p>
-          <a:p>
-            <a:r>
-              <a:rPr lang="en-US" altLang="zh-TW" dirty="0"/>
-              <a:t>Material Design Icons</a:t>
-            </a:r>
-          </a:p>
-          <a:p>
-            <a:endParaRPr lang="en-US" altLang="zh-TW" sz="1800" dirty="0"/>
-          </a:p>
-          <a:p>
-            <a:r>
-              <a:rPr lang="en-US" altLang="zh-TW" dirty="0"/>
-              <a:t>CWB Data Colorizing Style</a:t>
-            </a:r>
-          </a:p>
-          <a:p>
-            <a:endParaRPr lang="en-US" altLang="zh-TW" sz="1600" dirty="0"/>
-          </a:p>
-          <a:p>
-            <a:r>
-              <a:rPr lang="en-US" altLang="zh-TW" dirty="0"/>
-              <a:t>JMA Data Colorizing Style</a:t>
-            </a:r>
-          </a:p>
-          <a:p>
-            <a:endParaRPr lang="en-US" altLang="zh-TW" sz="1800" dirty="0"/>
-          </a:p>
-          <a:p>
-            <a:r>
-              <a:rPr lang="en-US" altLang="zh-TW" dirty="0"/>
-              <a:t>WNI Data Expressing Style</a:t>
+              <a:t> Parser</a:t>
             </a:r>
             <a:endParaRPr lang="zh-TW" altLang="en-US" dirty="0"/>
           </a:p>
@@ -6830,7 +7763,7 @@
           <p:cNvPr id="4" name="日期版面配置區 3">
             <a:extLst>
               <a:ext uri="{FF2B5EF4-FFF2-40B4-BE49-F238E27FC236}">
-                <a16:creationId xmlns:a16="http://schemas.microsoft.com/office/drawing/2014/main" id="{3DE6B655-9B95-431F-BC24-027462E02640}"/>
+                <a16:creationId xmlns:a16="http://schemas.microsoft.com/office/drawing/2014/main" id="{BB7FCB6B-84E2-42D2-A3CD-A708679C4196}"/>
               </a:ext>
             </a:extLst>
           </p:cNvPr>
@@ -6859,7 +7792,7 @@
           <p:cNvPr id="5" name="頁尾版面配置區 4">
             <a:extLst>
               <a:ext uri="{FF2B5EF4-FFF2-40B4-BE49-F238E27FC236}">
-                <a16:creationId xmlns:a16="http://schemas.microsoft.com/office/drawing/2014/main" id="{25CFDB03-17E8-4210-B2C6-F927BB11D336}"/>
+                <a16:creationId xmlns:a16="http://schemas.microsoft.com/office/drawing/2014/main" id="{4BB606A4-49D1-4EA6-95B7-326B24BA7C96}"/>
               </a:ext>
             </a:extLst>
           </p:cNvPr>
@@ -6891,7 +7824,7 @@
           <p:cNvPr id="6" name="投影片編號版面配置區 5">
             <a:extLst>
               <a:ext uri="{FF2B5EF4-FFF2-40B4-BE49-F238E27FC236}">
-                <a16:creationId xmlns:a16="http://schemas.microsoft.com/office/drawing/2014/main" id="{9CEFE2FA-9354-4963-892B-826981FD77D4}"/>
+                <a16:creationId xmlns:a16="http://schemas.microsoft.com/office/drawing/2014/main" id="{A31C2E51-CE0D-496C-B7A6-EAD6CA1DDD27}"/>
               </a:ext>
             </a:extLst>
           </p:cNvPr>
@@ -6918,7 +7851,7 @@
     </p:spTree>
     <p:extLst>
       <p:ext uri="{BB962C8B-B14F-4D97-AF65-F5344CB8AC3E}">
-        <p14:creationId xmlns:p14="http://schemas.microsoft.com/office/powerpoint/2010/main" val="3599235308"/>
+        <p14:creationId xmlns:p14="http://schemas.microsoft.com/office/powerpoint/2010/main" val="344607204"/>
       </p:ext>
     </p:extLst>
   </p:cSld>
